--- a/Slide/TungNT72 Hoisting vs Closure.pptx
+++ b/Slide/TungNT72 Hoisting vs Closure.pptx
@@ -5,15 +5,19 @@
     <p:sldMasterId id="2147483648" r:id="rId1"/>
   </p:sldMasterIdLst>
   <p:notesMasterIdLst>
-    <p:notesMasterId r:id="rId8"/>
+    <p:notesMasterId r:id="rId12"/>
   </p:notesMasterIdLst>
   <p:sldIdLst>
     <p:sldId id="256" r:id="rId2"/>
     <p:sldId id="259" r:id="rId3"/>
     <p:sldId id="260" r:id="rId4"/>
     <p:sldId id="261" r:id="rId5"/>
-    <p:sldId id="258" r:id="rId6"/>
-    <p:sldId id="257" r:id="rId7"/>
+    <p:sldId id="262" r:id="rId6"/>
+    <p:sldId id="258" r:id="rId7"/>
+    <p:sldId id="257" r:id="rId8"/>
+    <p:sldId id="263" r:id="rId9"/>
+    <p:sldId id="264" r:id="rId10"/>
+    <p:sldId id="265" r:id="rId11"/>
   </p:sldIdLst>
   <p:sldSz cx="12192000" cy="6858000"/>
   <p:notesSz cx="6858000" cy="9144000"/>
@@ -202,7 +206,7 @@
           <a:p>
             <a:fld id="{94FACEA1-0C53-4753-9488-7183603B2172}" type="datetimeFigureOut">
               <a:rPr lang="en-US" smtClean="0"/>
-              <a:t>1/2/2019</a:t>
+              <a:t>1/3/2019</a:t>
             </a:fld>
             <a:endParaRPr lang="en-US"/>
           </a:p>
@@ -658,7 +662,7 @@
           <a:p>
             <a:fld id="{B13F99E8-AA47-4A26-BD50-C3EB66CDD602}" type="datetime1">
               <a:rPr lang="en-US" smtClean="0"/>
-              <a:t>1/2/2019</a:t>
+              <a:t>1/3/2019</a:t>
             </a:fld>
             <a:endParaRPr lang="en-US" dirty="0"/>
           </a:p>
@@ -992,7 +996,7 @@
           <a:p>
             <a:fld id="{D3BDF42E-6C07-47DA-B210-3A2416BB66EE}" type="datetime1">
               <a:rPr lang="en-US" smtClean="0"/>
-              <a:t>1/2/2019</a:t>
+              <a:t>1/3/2019</a:t>
             </a:fld>
             <a:endParaRPr lang="en-US" dirty="0"/>
           </a:p>
@@ -1389,7 +1393,7 @@
           <a:p>
             <a:fld id="{845B3ED9-EE5D-4AFB-A4B6-6472E86FED65}" type="datetime1">
               <a:rPr lang="en-US" smtClean="0"/>
-              <a:t>1/2/2019</a:t>
+              <a:t>1/3/2019</a:t>
             </a:fld>
             <a:endParaRPr lang="en-US" dirty="0"/>
           </a:p>
@@ -1721,7 +1725,7 @@
           <a:p>
             <a:fld id="{AD2636CC-925D-4F44-9137-9955F89E367F}" type="datetime1">
               <a:rPr lang="en-US" smtClean="0"/>
-              <a:t>1/2/2019</a:t>
+              <a:t>1/3/2019</a:t>
             </a:fld>
             <a:endParaRPr lang="en-US" dirty="0"/>
           </a:p>
@@ -2037,7 +2041,7 @@
           <a:p>
             <a:fld id="{1DF26D20-1B6E-4ADB-B31D-DCDC3FF029D7}" type="datetime1">
               <a:rPr lang="en-US" smtClean="0"/>
-              <a:t>1/2/2019</a:t>
+              <a:t>1/3/2019</a:t>
             </a:fld>
             <a:endParaRPr lang="en-US" dirty="0"/>
           </a:p>
@@ -2429,7 +2433,7 @@
           <a:p>
             <a:fld id="{12F0A935-361E-4268-A9BA-EA6857BD6140}" type="datetime1">
               <a:rPr lang="en-US" smtClean="0"/>
-              <a:t>1/2/2019</a:t>
+              <a:t>1/3/2019</a:t>
             </a:fld>
             <a:endParaRPr lang="en-US" dirty="0"/>
           </a:p>
@@ -2682,7 +2686,7 @@
           <a:p>
             <a:fld id="{372F3AEB-DC9A-404C-8B00-2E2B0AE31694}" type="datetime1">
               <a:rPr lang="en-US" smtClean="0"/>
-              <a:t>1/2/2019</a:t>
+              <a:t>1/3/2019</a:t>
             </a:fld>
             <a:endParaRPr lang="en-US" dirty="0"/>
           </a:p>
@@ -2940,7 +2944,7 @@
           <a:p>
             <a:fld id="{91E27A51-62DC-4F05-8C5D-086896C5ED64}" type="datetime1">
               <a:rPr lang="en-US" smtClean="0"/>
-              <a:t>1/2/2019</a:t>
+              <a:t>1/3/2019</a:t>
             </a:fld>
             <a:endParaRPr lang="en-US" dirty="0"/>
           </a:p>
@@ -3198,7 +3202,7 @@
           <a:p>
             <a:fld id="{5988C56D-82AE-4750-9696-7B7F5C6BEDE3}" type="datetime1">
               <a:rPr lang="en-US" smtClean="0"/>
-              <a:t>1/2/2019</a:t>
+              <a:t>1/3/2019</a:t>
             </a:fld>
             <a:endParaRPr lang="en-US" dirty="0"/>
           </a:p>
@@ -3523,7 +3527,7 @@
           <a:p>
             <a:fld id="{CE8DF904-AF05-45D4-B252-48E9A9FF0CA1}" type="datetime1">
               <a:rPr lang="en-US" smtClean="0"/>
-              <a:t>1/2/2019</a:t>
+              <a:t>1/3/2019</a:t>
             </a:fld>
             <a:endParaRPr lang="en-US" dirty="0"/>
           </a:p>
@@ -3842,7 +3846,7 @@
           <a:p>
             <a:fld id="{0E8D056C-18C6-4CC7-8E79-4837BA557E7C}" type="datetime1">
               <a:rPr lang="en-US" smtClean="0"/>
-              <a:t>1/2/2019</a:t>
+              <a:t>1/3/2019</a:t>
             </a:fld>
             <a:endParaRPr lang="en-US" dirty="0"/>
           </a:p>
@@ -4295,7 +4299,7 @@
           <a:p>
             <a:fld id="{2AF7E9DE-6E11-473C-9D16-DEEBD34EC4F9}" type="datetime1">
               <a:rPr lang="en-US" smtClean="0"/>
-              <a:t>1/2/2019</a:t>
+              <a:t>1/3/2019</a:t>
             </a:fld>
             <a:endParaRPr lang="en-US" dirty="0"/>
           </a:p>
@@ -4496,7 +4500,7 @@
           <a:p>
             <a:fld id="{75462559-EFF8-47C3-A079-9F379609616B}" type="datetime1">
               <a:rPr lang="en-US" smtClean="0"/>
-              <a:t>1/2/2019</a:t>
+              <a:t>1/3/2019</a:t>
             </a:fld>
             <a:endParaRPr lang="en-US" dirty="0"/>
           </a:p>
@@ -4669,7 +4673,7 @@
           <a:p>
             <a:fld id="{D180AC13-0313-4CA5-9D53-A32A8993F664}" type="datetime1">
               <a:rPr lang="en-US" smtClean="0"/>
-              <a:t>1/2/2019</a:t>
+              <a:t>1/3/2019</a:t>
             </a:fld>
             <a:endParaRPr lang="en-US" dirty="0"/>
           </a:p>
@@ -4998,7 +5002,7 @@
           <a:p>
             <a:fld id="{1934612B-26F2-422E-87F5-A869B046C22F}" type="datetime1">
               <a:rPr lang="en-US" smtClean="0"/>
-              <a:t>1/2/2019</a:t>
+              <a:t>1/3/2019</a:t>
             </a:fld>
             <a:endParaRPr lang="en-US" dirty="0"/>
           </a:p>
@@ -5339,7 +5343,7 @@
           <a:p>
             <a:fld id="{D0609BA5-D9A6-4AE7-821E-69E05C354EBF}" type="datetime1">
               <a:rPr lang="en-US" smtClean="0"/>
-              <a:t>1/2/2019</a:t>
+              <a:t>1/3/2019</a:t>
             </a:fld>
             <a:endParaRPr lang="en-US" dirty="0"/>
           </a:p>
@@ -7452,7 +7456,7 @@
           <a:p>
             <a:fld id="{78DE3B5C-3A33-414F-8B09-339D2546B96D}" type="datetime1">
               <a:rPr lang="en-US" smtClean="0"/>
-              <a:t>1/2/2019</a:t>
+              <a:t>1/3/2019</a:t>
             </a:fld>
             <a:endParaRPr lang="en-US" dirty="0"/>
           </a:p>
@@ -8053,7 +8057,55 @@
                   <a:srgbClr val="0070C0"/>
                 </a:solidFill>
               </a:rPr>
-              <a:t>Is about this process, is that variable and function declaration are “moved” from where they appear in the flow of the code to top of the code.</a:t>
+              <a:t>Is about this </a:t>
+            </a:r>
+            <a:r>
+              <a:rPr lang="en-US" sz="2000" dirty="0" smtClean="0">
+                <a:solidFill>
+                  <a:srgbClr val="0070C0"/>
+                </a:solidFill>
+              </a:rPr>
+              <a:t>process </a:t>
+            </a:r>
+            <a:r>
+              <a:rPr lang="en-US" sz="2000" dirty="0">
+                <a:solidFill>
+                  <a:srgbClr val="0070C0"/>
+                </a:solidFill>
+              </a:rPr>
+              <a:t>when </a:t>
+            </a:r>
+            <a:r>
+              <a:rPr lang="en-US" sz="2000" dirty="0" smtClean="0">
+                <a:solidFill>
+                  <a:srgbClr val="0070C0"/>
+                </a:solidFill>
+              </a:rPr>
+              <a:t>the declaration of that </a:t>
+            </a:r>
+            <a:r>
+              <a:rPr lang="en-US" sz="2000" dirty="0" smtClean="0">
+                <a:solidFill>
+                  <a:srgbClr val="0070C0"/>
+                </a:solidFill>
+              </a:rPr>
+              <a:t>variable and function </a:t>
+            </a:r>
+            <a:r>
+              <a:rPr lang="en-US" sz="2000" dirty="0" smtClean="0">
+                <a:solidFill>
+                  <a:srgbClr val="0070C0"/>
+                </a:solidFill>
+              </a:rPr>
+              <a:t>are </a:t>
+            </a:r>
+            <a:r>
+              <a:rPr lang="en-US" sz="2000" dirty="0" smtClean="0">
+                <a:solidFill>
+                  <a:srgbClr val="0070C0"/>
+                </a:solidFill>
+              </a:rPr>
+              <a:t>“moved” from where they appear in the flow of the code to top of the code.</a:t>
             </a:r>
             <a:endParaRPr lang="en-US" sz="2000" dirty="0">
               <a:solidFill>
@@ -8305,6 +8357,239 @@
 </p:sld>
 </file>
 
+<file path=ppt/slides/slide10.xml><?xml version="1.0" encoding="utf-8"?>
+<p:sld xmlns:a="http://schemas.openxmlformats.org/drawingml/2006/main" xmlns:r="http://schemas.openxmlformats.org/officeDocument/2006/relationships" xmlns:p="http://schemas.openxmlformats.org/presentationml/2006/main">
+  <p:cSld>
+    <p:spTree>
+      <p:nvGrpSpPr>
+        <p:cNvPr id="1" name=""/>
+        <p:cNvGrpSpPr/>
+        <p:nvPr/>
+      </p:nvGrpSpPr>
+      <p:grpSpPr>
+        <a:xfrm>
+          <a:off x="0" y="0"/>
+          <a:ext cx="0" cy="0"/>
+          <a:chOff x="0" y="0"/>
+          <a:chExt cx="0" cy="0"/>
+        </a:xfrm>
+      </p:grpSpPr>
+      <p:sp>
+        <p:nvSpPr>
+          <p:cNvPr id="4" name="Slide Number Placeholder 3"/>
+          <p:cNvSpPr>
+            <a:spLocks noGrp="1"/>
+          </p:cNvSpPr>
+          <p:nvPr>
+            <p:ph type="sldNum" sz="quarter" idx="12"/>
+          </p:nvPr>
+        </p:nvSpPr>
+        <p:spPr/>
+        <p:txBody>
+          <a:bodyPr/>
+          <a:lstStyle/>
+          <a:p>
+            <a:fld id="{D57F1E4F-1CFF-5643-939E-217C01CDF565}" type="slidenum">
+              <a:rPr lang="en-US" smtClean="0"/>
+              <a:pPr/>
+              <a:t>10</a:t>
+            </a:fld>
+            <a:endParaRPr lang="en-US" dirty="0"/>
+          </a:p>
+        </p:txBody>
+      </p:sp>
+      <p:sp>
+        <p:nvSpPr>
+          <p:cNvPr id="8" name="TextBox 7"/>
+          <p:cNvSpPr txBox="1"/>
+          <p:nvPr/>
+        </p:nvSpPr>
+        <p:spPr>
+          <a:xfrm>
+            <a:off x="4364967" y="1152907"/>
+            <a:ext cx="8643668" cy="1754326"/>
+          </a:xfrm>
+          <a:prstGeom prst="rect">
+            <a:avLst/>
+          </a:prstGeom>
+          <a:noFill/>
+        </p:spPr>
+        <p:txBody>
+          <a:bodyPr wrap="square" rtlCol="0">
+            <a:spAutoFit/>
+          </a:bodyPr>
+          <a:lstStyle/>
+          <a:p>
+            <a:r>
+              <a:rPr lang="en-US" dirty="0">
+                <a:solidFill>
+                  <a:srgbClr val="0070C0"/>
+                </a:solidFill>
+              </a:rPr>
+              <a:t>for (</a:t>
+            </a:r>
+            <a:r>
+              <a:rPr lang="en-US" dirty="0" err="1">
+                <a:solidFill>
+                  <a:srgbClr val="0070C0"/>
+                </a:solidFill>
+              </a:rPr>
+              <a:t>var</a:t>
+            </a:r>
+            <a:r>
+              <a:rPr lang="en-US" dirty="0">
+                <a:solidFill>
+                  <a:srgbClr val="0070C0"/>
+                </a:solidFill>
+              </a:rPr>
+              <a:t> </a:t>
+            </a:r>
+            <a:r>
+              <a:rPr lang="en-US" dirty="0" err="1">
+                <a:solidFill>
+                  <a:srgbClr val="0070C0"/>
+                </a:solidFill>
+              </a:rPr>
+              <a:t>i</a:t>
+            </a:r>
+            <a:r>
+              <a:rPr lang="en-US" dirty="0">
+                <a:solidFill>
+                  <a:srgbClr val="0070C0"/>
+                </a:solidFill>
+              </a:rPr>
+              <a:t>=1; </a:t>
+            </a:r>
+            <a:r>
+              <a:rPr lang="en-US" dirty="0" err="1">
+                <a:solidFill>
+                  <a:srgbClr val="0070C0"/>
+                </a:solidFill>
+              </a:rPr>
+              <a:t>i</a:t>
+            </a:r>
+            <a:r>
+              <a:rPr lang="en-US" dirty="0">
+                <a:solidFill>
+                  <a:srgbClr val="0070C0"/>
+                </a:solidFill>
+              </a:rPr>
+              <a:t>&lt;=5; </a:t>
+            </a:r>
+            <a:r>
+              <a:rPr lang="en-US" dirty="0" err="1">
+                <a:solidFill>
+                  <a:srgbClr val="0070C0"/>
+                </a:solidFill>
+              </a:rPr>
+              <a:t>i</a:t>
+            </a:r>
+            <a:r>
+              <a:rPr lang="en-US" dirty="0">
+                <a:solidFill>
+                  <a:srgbClr val="0070C0"/>
+                </a:solidFill>
+              </a:rPr>
+              <a:t>++) {</a:t>
+            </a:r>
+          </a:p>
+          <a:p>
+            <a:r>
+              <a:rPr lang="en-US" dirty="0">
+                <a:solidFill>
+                  <a:srgbClr val="0070C0"/>
+                </a:solidFill>
+              </a:rPr>
+              <a:t>	let j = </a:t>
+            </a:r>
+            <a:r>
+              <a:rPr lang="en-US" dirty="0" err="1">
+                <a:solidFill>
+                  <a:srgbClr val="0070C0"/>
+                </a:solidFill>
+              </a:rPr>
+              <a:t>i</a:t>
+            </a:r>
+            <a:r>
+              <a:rPr lang="en-US" dirty="0">
+                <a:solidFill>
+                  <a:srgbClr val="0070C0"/>
+                </a:solidFill>
+              </a:rPr>
+              <a:t>; // yay, block-scope for closure!</a:t>
+            </a:r>
+          </a:p>
+          <a:p>
+            <a:r>
+              <a:rPr lang="en-US" dirty="0">
+                <a:solidFill>
+                  <a:srgbClr val="0070C0"/>
+                </a:solidFill>
+              </a:rPr>
+              <a:t>	</a:t>
+            </a:r>
+            <a:r>
+              <a:rPr lang="en-US" dirty="0" err="1">
+                <a:solidFill>
+                  <a:srgbClr val="0070C0"/>
+                </a:solidFill>
+              </a:rPr>
+              <a:t>setTimeout</a:t>
+            </a:r>
+            <a:r>
+              <a:rPr lang="en-US" dirty="0">
+                <a:solidFill>
+                  <a:srgbClr val="0070C0"/>
+                </a:solidFill>
+              </a:rPr>
+              <a:t>( function timer(){</a:t>
+            </a:r>
+          </a:p>
+          <a:p>
+            <a:r>
+              <a:rPr lang="en-US" dirty="0">
+                <a:solidFill>
+                  <a:srgbClr val="0070C0"/>
+                </a:solidFill>
+              </a:rPr>
+              <a:t>		console.log( j );</a:t>
+            </a:r>
+          </a:p>
+          <a:p>
+            <a:r>
+              <a:rPr lang="en-US" dirty="0">
+                <a:solidFill>
+                  <a:srgbClr val="0070C0"/>
+                </a:solidFill>
+              </a:rPr>
+              <a:t>	}, j*1000 );</a:t>
+            </a:r>
+          </a:p>
+          <a:p>
+            <a:r>
+              <a:rPr lang="en-US" dirty="0">
+                <a:solidFill>
+                  <a:srgbClr val="0070C0"/>
+                </a:solidFill>
+              </a:rPr>
+              <a:t>}</a:t>
+            </a:r>
+          </a:p>
+        </p:txBody>
+      </p:sp>
+    </p:spTree>
+    <p:extLst>
+      <p:ext uri="{BB962C8B-B14F-4D97-AF65-F5344CB8AC3E}">
+        <p14:creationId xmlns:p14="http://schemas.microsoft.com/office/powerpoint/2010/main" val="2610614550"/>
+      </p:ext>
+    </p:extLst>
+  </p:cSld>
+  <p:clrMapOvr>
+    <a:masterClrMapping/>
+  </p:clrMapOvr>
+</p:sld>
+</file>
+
 <file path=ppt/slides/slide2.xml><?xml version="1.0" encoding="utf-8"?>
 <p:sld xmlns:a="http://schemas.openxmlformats.org/drawingml/2006/main" xmlns:r="http://schemas.openxmlformats.org/officeDocument/2006/relationships" xmlns:p="http://schemas.openxmlformats.org/presentationml/2006/main">
   <p:cSld>
@@ -8369,56 +8654,104 @@
           <a:lstStyle/>
           <a:p>
             <a:r>
-              <a:rPr lang="pt-BR" dirty="0" smtClean="0"/>
+              <a:rPr lang="pt-BR" dirty="0" smtClean="0">
+                <a:solidFill>
+                  <a:srgbClr val="0070C0"/>
+                </a:solidFill>
+              </a:rPr>
               <a:t>Ví dụ 1:</a:t>
             </a:r>
           </a:p>
           <a:p>
-            <a:endParaRPr lang="pt-BR" dirty="0" smtClean="0"/>
-          </a:p>
-          <a:p>
-            <a:r>
-              <a:rPr lang="pt-BR" dirty="0" smtClean="0"/>
+            <a:endParaRPr lang="pt-BR" dirty="0" smtClean="0">
+              <a:solidFill>
+                <a:srgbClr val="0070C0"/>
+              </a:solidFill>
+            </a:endParaRPr>
+          </a:p>
+          <a:p>
+            <a:r>
+              <a:rPr lang="pt-BR" dirty="0" smtClean="0">
+                <a:solidFill>
+                  <a:srgbClr val="0070C0"/>
+                </a:solidFill>
+              </a:rPr>
               <a:t>a </a:t>
             </a:r>
             <a:r>
-              <a:rPr lang="pt-BR" dirty="0"/>
+              <a:rPr lang="pt-BR" dirty="0">
+                <a:solidFill>
+                  <a:srgbClr val="0070C0"/>
+                </a:solidFill>
+              </a:rPr>
               <a:t>= 2;</a:t>
             </a:r>
           </a:p>
           <a:p>
             <a:r>
-              <a:rPr lang="pt-BR" dirty="0" smtClean="0"/>
+              <a:rPr lang="pt-BR" dirty="0" smtClean="0">
+                <a:solidFill>
+                  <a:srgbClr val="0070C0"/>
+                </a:solidFill>
+              </a:rPr>
               <a:t>var </a:t>
             </a:r>
             <a:r>
-              <a:rPr lang="pt-BR" dirty="0"/>
+              <a:rPr lang="pt-BR" dirty="0">
+                <a:solidFill>
+                  <a:srgbClr val="0070C0"/>
+                </a:solidFill>
+              </a:rPr>
               <a:t>a;</a:t>
             </a:r>
           </a:p>
           <a:p>
             <a:r>
-              <a:rPr lang="pt-BR" dirty="0" smtClean="0"/>
+              <a:rPr lang="pt-BR" dirty="0" smtClean="0">
+                <a:solidFill>
+                  <a:srgbClr val="0070C0"/>
+                </a:solidFill>
+              </a:rPr>
               <a:t>console.log</a:t>
             </a:r>
             <a:r>
-              <a:rPr lang="pt-BR" dirty="0"/>
+              <a:rPr lang="pt-BR" dirty="0">
+                <a:solidFill>
+                  <a:srgbClr val="0070C0"/>
+                </a:solidFill>
+              </a:rPr>
               <a:t>( a </a:t>
             </a:r>
             <a:r>
-              <a:rPr lang="pt-BR" dirty="0" smtClean="0"/>
+              <a:rPr lang="pt-BR" dirty="0" smtClean="0">
+                <a:solidFill>
+                  <a:srgbClr val="0070C0"/>
+                </a:solidFill>
+              </a:rPr>
               <a:t>); </a:t>
             </a:r>
           </a:p>
           <a:p>
-            <a:endParaRPr lang="pt-BR" dirty="0" smtClean="0"/>
-          </a:p>
-          <a:p>
-            <a:r>
-              <a:rPr lang="pt-BR" dirty="0" smtClean="0"/>
+            <a:endParaRPr lang="pt-BR" dirty="0" smtClean="0">
+              <a:solidFill>
+                <a:srgbClr val="0070C0"/>
+              </a:solidFill>
+            </a:endParaRPr>
+          </a:p>
+          <a:p>
+            <a:r>
+              <a:rPr lang="pt-BR" dirty="0" smtClean="0">
+                <a:solidFill>
+                  <a:srgbClr val="0070C0"/>
+                </a:solidFill>
+              </a:rPr>
               <a:t>// Output sẽ là 2 chứ không phải undefined</a:t>
             </a:r>
-            <a:endParaRPr lang="en-US" dirty="0"/>
+            <a:endParaRPr lang="en-US" dirty="0">
+              <a:solidFill>
+                <a:srgbClr val="0070C0"/>
+              </a:solidFill>
+            </a:endParaRPr>
           </a:p>
         </p:txBody>
       </p:sp>
@@ -8445,58 +8778,114 @@
           <a:lstStyle/>
           <a:p>
             <a:r>
-              <a:rPr lang="pt-BR" dirty="0"/>
+              <a:rPr lang="pt-BR" dirty="0">
+                <a:solidFill>
+                  <a:srgbClr val="0070C0"/>
+                </a:solidFill>
+              </a:rPr>
               <a:t>Ví dụ </a:t>
             </a:r>
             <a:r>
-              <a:rPr lang="pt-BR" dirty="0" smtClean="0"/>
+              <a:rPr lang="pt-BR" dirty="0" smtClean="0">
+                <a:solidFill>
+                  <a:srgbClr val="0070C0"/>
+                </a:solidFill>
+              </a:rPr>
               <a:t>2:</a:t>
             </a:r>
-            <a:endParaRPr lang="pt-BR" dirty="0"/>
-          </a:p>
-          <a:p>
-            <a:endParaRPr lang="pt-BR" dirty="0" smtClean="0"/>
-          </a:p>
-          <a:p>
-            <a:r>
-              <a:rPr lang="pt-BR" dirty="0" smtClean="0"/>
+            <a:endParaRPr lang="pt-BR" dirty="0">
+              <a:solidFill>
+                <a:srgbClr val="0070C0"/>
+              </a:solidFill>
+            </a:endParaRPr>
+          </a:p>
+          <a:p>
+            <a:endParaRPr lang="pt-BR" dirty="0" smtClean="0">
+              <a:solidFill>
+                <a:srgbClr val="0070C0"/>
+              </a:solidFill>
+            </a:endParaRPr>
+          </a:p>
+          <a:p>
+            <a:r>
+              <a:rPr lang="pt-BR" dirty="0" smtClean="0">
+                <a:solidFill>
+                  <a:srgbClr val="0070C0"/>
+                </a:solidFill>
+              </a:rPr>
               <a:t>console.log</a:t>
             </a:r>
             <a:r>
-              <a:rPr lang="pt-BR" dirty="0"/>
+              <a:rPr lang="pt-BR" dirty="0">
+                <a:solidFill>
+                  <a:srgbClr val="0070C0"/>
+                </a:solidFill>
+              </a:rPr>
               <a:t>( a </a:t>
             </a:r>
             <a:r>
-              <a:rPr lang="pt-BR" dirty="0" smtClean="0"/>
+              <a:rPr lang="pt-BR" dirty="0" smtClean="0">
+                <a:solidFill>
+                  <a:srgbClr val="0070C0"/>
+                </a:solidFill>
+              </a:rPr>
               <a:t>); </a:t>
             </a:r>
           </a:p>
           <a:p>
             <a:r>
-              <a:rPr lang="pt-BR" dirty="0"/>
+              <a:rPr lang="pt-BR" dirty="0">
+                <a:solidFill>
+                  <a:srgbClr val="0070C0"/>
+                </a:solidFill>
+              </a:rPr>
               <a:t>var </a:t>
             </a:r>
             <a:r>
-              <a:rPr lang="pt-BR" dirty="0" smtClean="0"/>
+              <a:rPr lang="pt-BR" dirty="0" smtClean="0">
+                <a:solidFill>
+                  <a:srgbClr val="0070C0"/>
+                </a:solidFill>
+              </a:rPr>
               <a:t>a = 2;</a:t>
             </a:r>
-            <a:endParaRPr lang="pt-BR" dirty="0"/>
-          </a:p>
-          <a:p>
-            <a:endParaRPr lang="pt-BR" dirty="0" smtClean="0"/>
-          </a:p>
-          <a:p>
-            <a:r>
-              <a:rPr lang="pt-BR" dirty="0" smtClean="0"/>
+            <a:endParaRPr lang="pt-BR" dirty="0">
+              <a:solidFill>
+                <a:srgbClr val="0070C0"/>
+              </a:solidFill>
+            </a:endParaRPr>
+          </a:p>
+          <a:p>
+            <a:endParaRPr lang="pt-BR" dirty="0" smtClean="0">
+              <a:solidFill>
+                <a:srgbClr val="0070C0"/>
+              </a:solidFill>
+            </a:endParaRPr>
+          </a:p>
+          <a:p>
+            <a:r>
+              <a:rPr lang="pt-BR" dirty="0" smtClean="0">
+                <a:solidFill>
+                  <a:srgbClr val="0070C0"/>
+                </a:solidFill>
+              </a:rPr>
               <a:t>// Output sẽ là 2 hay một lỗi defined sẽ được thông báo ?</a:t>
             </a:r>
           </a:p>
           <a:p>
             <a:r>
-              <a:rPr lang="pt-BR" dirty="0" smtClean="0"/>
+              <a:rPr lang="pt-BR" dirty="0" smtClean="0">
+                <a:solidFill>
+                  <a:srgbClr val="0070C0"/>
+                </a:solidFill>
+              </a:rPr>
               <a:t>// Thực tế Output là undefined .</a:t>
             </a:r>
-            <a:endParaRPr lang="en-US" dirty="0"/>
+            <a:endParaRPr lang="en-US" dirty="0">
+              <a:solidFill>
+                <a:srgbClr val="0070C0"/>
+              </a:solidFill>
+            </a:endParaRPr>
           </a:p>
         </p:txBody>
       </p:sp>
@@ -8523,235 +8912,467 @@
           <a:lstStyle/>
           <a:p>
             <a:r>
-              <a:rPr lang="en-US" dirty="0" err="1" smtClean="0"/>
+              <a:rPr lang="en-US" dirty="0" err="1" smtClean="0">
+                <a:solidFill>
+                  <a:srgbClr val="0070C0"/>
+                </a:solidFill>
+              </a:rPr>
               <a:t>Bởi</a:t>
             </a:r>
             <a:r>
-              <a:rPr lang="en-US" dirty="0" smtClean="0"/>
+              <a:rPr lang="en-US" dirty="0" smtClean="0">
+                <a:solidFill>
+                  <a:srgbClr val="0070C0"/>
+                </a:solidFill>
+              </a:rPr>
               <a:t> </a:t>
             </a:r>
             <a:r>
-              <a:rPr lang="en-US" dirty="0" err="1" smtClean="0"/>
+              <a:rPr lang="en-US" dirty="0" err="1" smtClean="0">
+                <a:solidFill>
+                  <a:srgbClr val="0070C0"/>
+                </a:solidFill>
+              </a:rPr>
               <a:t>vì</a:t>
             </a:r>
             <a:r>
-              <a:rPr lang="en-US" dirty="0" smtClean="0"/>
+              <a:rPr lang="en-US" dirty="0" smtClean="0">
+                <a:solidFill>
+                  <a:srgbClr val="0070C0"/>
+                </a:solidFill>
+              </a:rPr>
               <a:t> : “The Engine actually will compile our </a:t>
             </a:r>
             <a:r>
-              <a:rPr lang="en-US" dirty="0" err="1" smtClean="0"/>
+              <a:rPr lang="en-US" dirty="0" err="1" smtClean="0">
+                <a:solidFill>
+                  <a:srgbClr val="0070C0"/>
+                </a:solidFill>
+              </a:rPr>
               <a:t>Js</a:t>
             </a:r>
             <a:r>
-              <a:rPr lang="en-US" dirty="0" smtClean="0"/>
+              <a:rPr lang="en-US" dirty="0" smtClean="0">
+                <a:solidFill>
+                  <a:srgbClr val="0070C0"/>
+                </a:solidFill>
+              </a:rPr>
               <a:t> code before it </a:t>
             </a:r>
             <a:r>
-              <a:rPr lang="en-US" dirty="0" err="1" smtClean="0"/>
+              <a:rPr lang="en-US" dirty="0" err="1" smtClean="0">
+                <a:solidFill>
+                  <a:srgbClr val="0070C0"/>
+                </a:solidFill>
+              </a:rPr>
               <a:t>interprests</a:t>
             </a:r>
             <a:r>
-              <a:rPr lang="en-US" dirty="0" smtClean="0"/>
+              <a:rPr lang="en-US" dirty="0" smtClean="0">
+                <a:solidFill>
+                  <a:srgbClr val="0070C0"/>
+                </a:solidFill>
+              </a:rPr>
               <a:t> it.”</a:t>
             </a:r>
           </a:p>
           <a:p>
-            <a:endParaRPr lang="en-US" dirty="0" smtClean="0"/>
-          </a:p>
-          <a:p>
-            <a:r>
-              <a:rPr lang="en-US" dirty="0" err="1" smtClean="0"/>
+            <a:endParaRPr lang="en-US" dirty="0" smtClean="0">
+              <a:solidFill>
+                <a:srgbClr val="0070C0"/>
+              </a:solidFill>
+            </a:endParaRPr>
+          </a:p>
+          <a:p>
+            <a:r>
+              <a:rPr lang="en-US" dirty="0" err="1" smtClean="0">
+                <a:solidFill>
+                  <a:srgbClr val="0070C0"/>
+                </a:solidFill>
+              </a:rPr>
               <a:t>Mà</a:t>
             </a:r>
             <a:r>
-              <a:rPr lang="en-US" dirty="0" smtClean="0"/>
+              <a:rPr lang="en-US" dirty="0" smtClean="0">
+                <a:solidFill>
+                  <a:srgbClr val="0070C0"/>
+                </a:solidFill>
+              </a:rPr>
               <a:t> </a:t>
             </a:r>
             <a:r>
-              <a:rPr lang="en-US" dirty="0" err="1" smtClean="0"/>
+              <a:rPr lang="en-US" dirty="0" err="1" smtClean="0">
+                <a:solidFill>
+                  <a:srgbClr val="0070C0"/>
+                </a:solidFill>
+              </a:rPr>
               <a:t>một</a:t>
             </a:r>
             <a:r>
-              <a:rPr lang="en-US" dirty="0" smtClean="0"/>
+              <a:rPr lang="en-US" dirty="0" smtClean="0">
+                <a:solidFill>
+                  <a:srgbClr val="0070C0"/>
+                </a:solidFill>
+              </a:rPr>
               <a:t> </a:t>
             </a:r>
             <a:r>
-              <a:rPr lang="en-US" dirty="0" err="1" smtClean="0"/>
+              <a:rPr lang="en-US" dirty="0" err="1" smtClean="0">
+                <a:solidFill>
+                  <a:srgbClr val="0070C0"/>
+                </a:solidFill>
+              </a:rPr>
               <a:t>phần</a:t>
             </a:r>
             <a:r>
-              <a:rPr lang="en-US" dirty="0" smtClean="0"/>
+              <a:rPr lang="en-US" dirty="0" smtClean="0">
+                <a:solidFill>
+                  <a:srgbClr val="0070C0"/>
+                </a:solidFill>
+              </a:rPr>
               <a:t> </a:t>
             </a:r>
             <a:r>
-              <a:rPr lang="en-US" dirty="0" err="1" smtClean="0"/>
+              <a:rPr lang="en-US" dirty="0" err="1" smtClean="0">
+                <a:solidFill>
+                  <a:srgbClr val="0070C0"/>
+                </a:solidFill>
+              </a:rPr>
               <a:t>của</a:t>
             </a:r>
             <a:r>
-              <a:rPr lang="en-US" dirty="0" smtClean="0"/>
+              <a:rPr lang="en-US" dirty="0" smtClean="0">
+                <a:solidFill>
+                  <a:srgbClr val="0070C0"/>
+                </a:solidFill>
+              </a:rPr>
               <a:t> </a:t>
             </a:r>
             <a:r>
-              <a:rPr lang="en-US" dirty="0" err="1" smtClean="0"/>
+              <a:rPr lang="en-US" dirty="0" err="1" smtClean="0">
+                <a:solidFill>
+                  <a:srgbClr val="0070C0"/>
+                </a:solidFill>
+              </a:rPr>
               <a:t>giai</a:t>
             </a:r>
             <a:r>
-              <a:rPr lang="en-US" dirty="0" smtClean="0"/>
+              <a:rPr lang="en-US" dirty="0" smtClean="0">
+                <a:solidFill>
+                  <a:srgbClr val="0070C0"/>
+                </a:solidFill>
+              </a:rPr>
               <a:t> </a:t>
             </a:r>
             <a:r>
-              <a:rPr lang="en-US" dirty="0" err="1" smtClean="0"/>
+              <a:rPr lang="en-US" dirty="0" err="1" smtClean="0">
+                <a:solidFill>
+                  <a:srgbClr val="0070C0"/>
+                </a:solidFill>
+              </a:rPr>
               <a:t>đoạn</a:t>
             </a:r>
             <a:r>
-              <a:rPr lang="en-US" dirty="0" smtClean="0"/>
+              <a:rPr lang="en-US" dirty="0" smtClean="0">
+                <a:solidFill>
+                  <a:srgbClr val="0070C0"/>
+                </a:solidFill>
+              </a:rPr>
               <a:t> </a:t>
             </a:r>
             <a:r>
-              <a:rPr lang="en-US" dirty="0" err="1" smtClean="0"/>
+              <a:rPr lang="en-US" dirty="0" err="1" smtClean="0">
+                <a:solidFill>
+                  <a:srgbClr val="0070C0"/>
+                </a:solidFill>
+              </a:rPr>
               <a:t>biên</a:t>
             </a:r>
             <a:r>
-              <a:rPr lang="en-US" dirty="0" smtClean="0"/>
+              <a:rPr lang="en-US" dirty="0" smtClean="0">
+                <a:solidFill>
+                  <a:srgbClr val="0070C0"/>
+                </a:solidFill>
+              </a:rPr>
               <a:t> </a:t>
             </a:r>
             <a:r>
-              <a:rPr lang="en-US" dirty="0" err="1" smtClean="0"/>
+              <a:rPr lang="en-US" dirty="0" err="1" smtClean="0">
+                <a:solidFill>
+                  <a:srgbClr val="0070C0"/>
+                </a:solidFill>
+              </a:rPr>
               <a:t>dịch</a:t>
             </a:r>
             <a:r>
-              <a:rPr lang="en-US" dirty="0" smtClean="0"/>
+              <a:rPr lang="en-US" dirty="0" smtClean="0">
+                <a:solidFill>
+                  <a:srgbClr val="0070C0"/>
+                </a:solidFill>
+              </a:rPr>
               <a:t> </a:t>
             </a:r>
             <a:r>
-              <a:rPr lang="en-US" dirty="0" err="1" smtClean="0"/>
+              <a:rPr lang="en-US" dirty="0" err="1" smtClean="0">
+                <a:solidFill>
+                  <a:srgbClr val="0070C0"/>
+                </a:solidFill>
+              </a:rPr>
               <a:t>là</a:t>
             </a:r>
             <a:r>
-              <a:rPr lang="en-US" dirty="0" smtClean="0"/>
+              <a:rPr lang="en-US" dirty="0" smtClean="0">
+                <a:solidFill>
+                  <a:srgbClr val="0070C0"/>
+                </a:solidFill>
+              </a:rPr>
               <a:t> </a:t>
             </a:r>
             <a:r>
-              <a:rPr lang="en-US" dirty="0" err="1" smtClean="0"/>
+              <a:rPr lang="en-US" dirty="0" err="1" smtClean="0">
+                <a:solidFill>
+                  <a:srgbClr val="0070C0"/>
+                </a:solidFill>
+              </a:rPr>
               <a:t>tìm</a:t>
             </a:r>
             <a:r>
-              <a:rPr lang="en-US" dirty="0" smtClean="0"/>
+              <a:rPr lang="en-US" dirty="0" smtClean="0">
+                <a:solidFill>
+                  <a:srgbClr val="0070C0"/>
+                </a:solidFill>
+              </a:rPr>
               <a:t> </a:t>
             </a:r>
             <a:r>
-              <a:rPr lang="en-US" dirty="0" err="1" smtClean="0"/>
+              <a:rPr lang="en-US" dirty="0" err="1" smtClean="0">
+                <a:solidFill>
+                  <a:srgbClr val="0070C0"/>
+                </a:solidFill>
+              </a:rPr>
               <a:t>và</a:t>
             </a:r>
             <a:r>
-              <a:rPr lang="en-US" dirty="0" smtClean="0"/>
+              <a:rPr lang="en-US" dirty="0" smtClean="0">
+                <a:solidFill>
+                  <a:srgbClr val="0070C0"/>
+                </a:solidFill>
+              </a:rPr>
               <a:t> </a:t>
             </a:r>
             <a:r>
-              <a:rPr lang="en-US" dirty="0" err="1" smtClean="0"/>
+              <a:rPr lang="en-US" dirty="0" err="1" smtClean="0">
+                <a:solidFill>
+                  <a:srgbClr val="0070C0"/>
+                </a:solidFill>
+              </a:rPr>
               <a:t>liên</a:t>
             </a:r>
             <a:r>
-              <a:rPr lang="en-US" dirty="0" smtClean="0"/>
+              <a:rPr lang="en-US" dirty="0" smtClean="0">
+                <a:solidFill>
+                  <a:srgbClr val="0070C0"/>
+                </a:solidFill>
+              </a:rPr>
               <a:t> </a:t>
             </a:r>
             <a:r>
-              <a:rPr lang="en-US" dirty="0" err="1" smtClean="0"/>
+              <a:rPr lang="en-US" dirty="0" err="1" smtClean="0">
+                <a:solidFill>
+                  <a:srgbClr val="0070C0"/>
+                </a:solidFill>
+              </a:rPr>
               <a:t>kết</a:t>
             </a:r>
             <a:r>
-              <a:rPr lang="en-US" dirty="0" smtClean="0"/>
+              <a:rPr lang="en-US" dirty="0" smtClean="0">
+                <a:solidFill>
+                  <a:srgbClr val="0070C0"/>
+                </a:solidFill>
+              </a:rPr>
               <a:t> </a:t>
             </a:r>
             <a:r>
-              <a:rPr lang="en-US" dirty="0" err="1" smtClean="0"/>
+              <a:rPr lang="en-US" dirty="0" err="1" smtClean="0">
+                <a:solidFill>
+                  <a:srgbClr val="0070C0"/>
+                </a:solidFill>
+              </a:rPr>
               <a:t>tất</a:t>
             </a:r>
             <a:r>
-              <a:rPr lang="en-US" dirty="0" smtClean="0"/>
+              <a:rPr lang="en-US" dirty="0" smtClean="0">
+                <a:solidFill>
+                  <a:srgbClr val="0070C0"/>
+                </a:solidFill>
+              </a:rPr>
               <a:t> </a:t>
             </a:r>
             <a:r>
-              <a:rPr lang="en-US" dirty="0" err="1" smtClean="0"/>
+              <a:rPr lang="en-US" dirty="0" err="1" smtClean="0">
+                <a:solidFill>
+                  <a:srgbClr val="0070C0"/>
+                </a:solidFill>
+              </a:rPr>
               <a:t>cả</a:t>
             </a:r>
             <a:r>
-              <a:rPr lang="en-US" dirty="0" smtClean="0"/>
+              <a:rPr lang="en-US" dirty="0" smtClean="0">
+                <a:solidFill>
+                  <a:srgbClr val="0070C0"/>
+                </a:solidFill>
+              </a:rPr>
               <a:t> </a:t>
             </a:r>
             <a:r>
-              <a:rPr lang="en-US" dirty="0" err="1" smtClean="0"/>
+              <a:rPr lang="en-US" dirty="0" err="1" smtClean="0">
+                <a:solidFill>
+                  <a:srgbClr val="0070C0"/>
+                </a:solidFill>
+              </a:rPr>
               <a:t>các</a:t>
             </a:r>
             <a:r>
-              <a:rPr lang="en-US" dirty="0" smtClean="0"/>
+              <a:rPr lang="en-US" dirty="0" smtClean="0">
+                <a:solidFill>
+                  <a:srgbClr val="0070C0"/>
+                </a:solidFill>
+              </a:rPr>
               <a:t> </a:t>
             </a:r>
             <a:r>
-              <a:rPr lang="en-US" dirty="0" err="1" smtClean="0"/>
+              <a:rPr lang="en-US" dirty="0" err="1" smtClean="0">
+                <a:solidFill>
+                  <a:srgbClr val="0070C0"/>
+                </a:solidFill>
+              </a:rPr>
               <a:t>khai</a:t>
             </a:r>
             <a:r>
-              <a:rPr lang="en-US" dirty="0" smtClean="0"/>
+              <a:rPr lang="en-US" dirty="0" smtClean="0">
+                <a:solidFill>
+                  <a:srgbClr val="0070C0"/>
+                </a:solidFill>
+              </a:rPr>
               <a:t> </a:t>
             </a:r>
             <a:r>
-              <a:rPr lang="en-US" dirty="0" err="1" smtClean="0"/>
+              <a:rPr lang="en-US" dirty="0" err="1" smtClean="0">
+                <a:solidFill>
+                  <a:srgbClr val="0070C0"/>
+                </a:solidFill>
+              </a:rPr>
               <a:t>báo</a:t>
             </a:r>
             <a:r>
-              <a:rPr lang="en-US" dirty="0" smtClean="0"/>
+              <a:rPr lang="en-US" dirty="0" smtClean="0">
+                <a:solidFill>
+                  <a:srgbClr val="0070C0"/>
+                </a:solidFill>
+              </a:rPr>
               <a:t> </a:t>
             </a:r>
             <a:r>
-              <a:rPr lang="en-US" dirty="0" err="1" smtClean="0"/>
+              <a:rPr lang="en-US" dirty="0" err="1" smtClean="0">
+                <a:solidFill>
+                  <a:srgbClr val="0070C0"/>
+                </a:solidFill>
+              </a:rPr>
               <a:t>với</a:t>
             </a:r>
             <a:r>
-              <a:rPr lang="en-US" dirty="0" smtClean="0"/>
+              <a:rPr lang="en-US" dirty="0" smtClean="0">
+                <a:solidFill>
+                  <a:srgbClr val="0070C0"/>
+                </a:solidFill>
+              </a:rPr>
               <a:t> </a:t>
             </a:r>
             <a:r>
-              <a:rPr lang="en-US" dirty="0" err="1" smtClean="0"/>
+              <a:rPr lang="en-US" dirty="0" err="1" smtClean="0">
+                <a:solidFill>
+                  <a:srgbClr val="0070C0"/>
+                </a:solidFill>
+              </a:rPr>
               <a:t>phạm</a:t>
             </a:r>
             <a:r>
-              <a:rPr lang="en-US" dirty="0" smtClean="0"/>
+              <a:rPr lang="en-US" dirty="0" smtClean="0">
+                <a:solidFill>
+                  <a:srgbClr val="0070C0"/>
+                </a:solidFill>
+              </a:rPr>
               <a:t> vi </a:t>
             </a:r>
             <a:r>
-              <a:rPr lang="en-US" dirty="0" err="1" smtClean="0"/>
+              <a:rPr lang="en-US" dirty="0" err="1" smtClean="0">
+                <a:solidFill>
+                  <a:srgbClr val="0070C0"/>
+                </a:solidFill>
+              </a:rPr>
               <a:t>thích</a:t>
             </a:r>
             <a:r>
-              <a:rPr lang="en-US" dirty="0" smtClean="0"/>
+              <a:rPr lang="en-US" dirty="0" smtClean="0">
+                <a:solidFill>
+                  <a:srgbClr val="0070C0"/>
+                </a:solidFill>
+              </a:rPr>
               <a:t> </a:t>
             </a:r>
             <a:r>
-              <a:rPr lang="en-US" dirty="0" err="1" smtClean="0"/>
+              <a:rPr lang="en-US" dirty="0" err="1" smtClean="0">
+                <a:solidFill>
+                  <a:srgbClr val="0070C0"/>
+                </a:solidFill>
+              </a:rPr>
               <a:t>hợp</a:t>
             </a:r>
             <a:r>
-              <a:rPr lang="en-US" dirty="0" smtClean="0"/>
+              <a:rPr lang="en-US" dirty="0" smtClean="0">
+                <a:solidFill>
+                  <a:srgbClr val="0070C0"/>
+                </a:solidFill>
+              </a:rPr>
               <a:t> </a:t>
             </a:r>
             <a:r>
-              <a:rPr lang="en-US" dirty="0" err="1" smtClean="0"/>
+              <a:rPr lang="en-US" dirty="0" err="1" smtClean="0">
+                <a:solidFill>
+                  <a:srgbClr val="0070C0"/>
+                </a:solidFill>
+              </a:rPr>
               <a:t>của</a:t>
             </a:r>
             <a:r>
-              <a:rPr lang="en-US" dirty="0" smtClean="0"/>
+              <a:rPr lang="en-US" dirty="0" smtClean="0">
+                <a:solidFill>
+                  <a:srgbClr val="0070C0"/>
+                </a:solidFill>
+              </a:rPr>
               <a:t> </a:t>
             </a:r>
             <a:r>
-              <a:rPr lang="en-US" dirty="0" err="1" smtClean="0"/>
+              <a:rPr lang="en-US" dirty="0" err="1" smtClean="0">
+                <a:solidFill>
+                  <a:srgbClr val="0070C0"/>
+                </a:solidFill>
+              </a:rPr>
               <a:t>chúng</a:t>
             </a:r>
             <a:r>
-              <a:rPr lang="en-US" dirty="0" smtClean="0"/>
+              <a:rPr lang="en-US" dirty="0" smtClean="0">
+                <a:solidFill>
+                  <a:srgbClr val="0070C0"/>
+                </a:solidFill>
+              </a:rPr>
               <a:t>.</a:t>
             </a:r>
-            <a:endParaRPr lang="en-US" dirty="0"/>
+            <a:endParaRPr lang="en-US" dirty="0">
+              <a:solidFill>
+                <a:srgbClr val="0070C0"/>
+              </a:solidFill>
+            </a:endParaRPr>
           </a:p>
         </p:txBody>
       </p:sp>
@@ -8832,230 +9453,454 @@
           <a:lstStyle/>
           <a:p>
             <a:r>
-              <a:rPr lang="en-US" dirty="0" err="1" smtClean="0"/>
+              <a:rPr lang="en-US" dirty="0" err="1" smtClean="0">
+                <a:solidFill>
+                  <a:srgbClr val="0070C0"/>
+                </a:solidFill>
+              </a:rPr>
               <a:t>Với</a:t>
             </a:r>
             <a:r>
-              <a:rPr lang="en-US" dirty="0" smtClean="0"/>
+              <a:rPr lang="en-US" dirty="0" smtClean="0">
+                <a:solidFill>
+                  <a:srgbClr val="0070C0"/>
+                </a:solidFill>
+              </a:rPr>
               <a:t> </a:t>
             </a:r>
             <a:r>
-              <a:rPr lang="en-US" dirty="0" err="1" smtClean="0"/>
+              <a:rPr lang="en-US" dirty="0" err="1" smtClean="0">
+                <a:solidFill>
+                  <a:srgbClr val="0070C0"/>
+                </a:solidFill>
+              </a:rPr>
               <a:t>ví</a:t>
             </a:r>
             <a:r>
-              <a:rPr lang="en-US" dirty="0" smtClean="0"/>
+              <a:rPr lang="en-US" dirty="0" smtClean="0">
+                <a:solidFill>
+                  <a:srgbClr val="0070C0"/>
+                </a:solidFill>
+              </a:rPr>
               <a:t> </a:t>
             </a:r>
             <a:r>
-              <a:rPr lang="en-US" dirty="0" err="1" smtClean="0"/>
+              <a:rPr lang="en-US" dirty="0" err="1" smtClean="0">
+                <a:solidFill>
+                  <a:srgbClr val="0070C0"/>
+                </a:solidFill>
+              </a:rPr>
               <a:t>dụ</a:t>
             </a:r>
             <a:r>
-              <a:rPr lang="en-US" dirty="0" smtClean="0"/>
+              <a:rPr lang="en-US" dirty="0" smtClean="0">
+                <a:solidFill>
+                  <a:srgbClr val="0070C0"/>
+                </a:solidFill>
+              </a:rPr>
               <a:t> 1 , </a:t>
             </a:r>
             <a:r>
-              <a:rPr lang="en-US" dirty="0" err="1" smtClean="0"/>
+              <a:rPr lang="en-US" dirty="0" err="1" smtClean="0">
+                <a:solidFill>
+                  <a:srgbClr val="0070C0"/>
+                </a:solidFill>
+              </a:rPr>
               <a:t>sau</a:t>
             </a:r>
             <a:r>
-              <a:rPr lang="en-US" dirty="0" smtClean="0"/>
+              <a:rPr lang="en-US" dirty="0" smtClean="0">
+                <a:solidFill>
+                  <a:srgbClr val="0070C0"/>
+                </a:solidFill>
+              </a:rPr>
               <a:t> </a:t>
             </a:r>
             <a:r>
-              <a:rPr lang="en-US" dirty="0" err="1" smtClean="0"/>
+              <a:rPr lang="en-US" dirty="0" err="1" smtClean="0">
+                <a:solidFill>
+                  <a:srgbClr val="0070C0"/>
+                </a:solidFill>
+              </a:rPr>
               <a:t>khi</a:t>
             </a:r>
             <a:r>
-              <a:rPr lang="en-US" dirty="0" smtClean="0"/>
+              <a:rPr lang="en-US" dirty="0" smtClean="0">
+                <a:solidFill>
+                  <a:srgbClr val="0070C0"/>
+                </a:solidFill>
+              </a:rPr>
               <a:t> </a:t>
             </a:r>
             <a:r>
-              <a:rPr lang="en-US" dirty="0" err="1" smtClean="0"/>
+              <a:rPr lang="en-US" dirty="0" err="1" smtClean="0">
+                <a:solidFill>
+                  <a:srgbClr val="0070C0"/>
+                </a:solidFill>
+              </a:rPr>
               <a:t>máy</a:t>
             </a:r>
             <a:r>
-              <a:rPr lang="en-US" dirty="0" smtClean="0"/>
+              <a:rPr lang="en-US" dirty="0" smtClean="0">
+                <a:solidFill>
+                  <a:srgbClr val="0070C0"/>
+                </a:solidFill>
+              </a:rPr>
               <a:t> </a:t>
             </a:r>
             <a:r>
-              <a:rPr lang="en-US" dirty="0" err="1" smtClean="0"/>
+              <a:rPr lang="en-US" dirty="0" err="1" smtClean="0">
+                <a:solidFill>
+                  <a:srgbClr val="0070C0"/>
+                </a:solidFill>
+              </a:rPr>
               <a:t>biên</a:t>
             </a:r>
             <a:r>
-              <a:rPr lang="en-US" dirty="0" smtClean="0"/>
+              <a:rPr lang="en-US" dirty="0" smtClean="0">
+                <a:solidFill>
+                  <a:srgbClr val="0070C0"/>
+                </a:solidFill>
+              </a:rPr>
               <a:t> </a:t>
             </a:r>
             <a:r>
-              <a:rPr lang="en-US" dirty="0" err="1" smtClean="0"/>
+              <a:rPr lang="en-US" dirty="0" err="1" smtClean="0">
+                <a:solidFill>
+                  <a:srgbClr val="0070C0"/>
+                </a:solidFill>
+              </a:rPr>
               <a:t>dịch</a:t>
             </a:r>
             <a:r>
-              <a:rPr lang="en-US" dirty="0" smtClean="0"/>
+              <a:rPr lang="en-US" dirty="0" smtClean="0">
+                <a:solidFill>
+                  <a:srgbClr val="0070C0"/>
+                </a:solidFill>
+              </a:rPr>
               <a:t> ta </a:t>
             </a:r>
             <a:r>
-              <a:rPr lang="en-US" dirty="0" err="1" smtClean="0"/>
+              <a:rPr lang="en-US" dirty="0" err="1" smtClean="0">
+                <a:solidFill>
+                  <a:srgbClr val="0070C0"/>
+                </a:solidFill>
+              </a:rPr>
               <a:t>có</a:t>
             </a:r>
             <a:r>
-              <a:rPr lang="en-US" dirty="0" smtClean="0"/>
+              <a:rPr lang="en-US" dirty="0" smtClean="0">
+                <a:solidFill>
+                  <a:srgbClr val="0070C0"/>
+                </a:solidFill>
+              </a:rPr>
               <a:t> </a:t>
             </a:r>
             <a:r>
-              <a:rPr lang="en-US" dirty="0" err="1" smtClean="0"/>
+              <a:rPr lang="en-US" dirty="0" err="1" smtClean="0">
+                <a:solidFill>
+                  <a:srgbClr val="0070C0"/>
+                </a:solidFill>
+              </a:rPr>
               <a:t>thể</a:t>
             </a:r>
             <a:r>
-              <a:rPr lang="en-US" dirty="0" smtClean="0"/>
+              <a:rPr lang="en-US" dirty="0" smtClean="0">
+                <a:solidFill>
+                  <a:srgbClr val="0070C0"/>
+                </a:solidFill>
+              </a:rPr>
               <a:t> </a:t>
             </a:r>
             <a:r>
-              <a:rPr lang="en-US" dirty="0" err="1" smtClean="0"/>
+              <a:rPr lang="en-US" dirty="0" err="1" smtClean="0">
+                <a:solidFill>
+                  <a:srgbClr val="0070C0"/>
+                </a:solidFill>
+              </a:rPr>
               <a:t>hiểu</a:t>
             </a:r>
             <a:r>
-              <a:rPr lang="en-US" dirty="0" smtClean="0"/>
+              <a:rPr lang="en-US" dirty="0" smtClean="0">
+                <a:solidFill>
+                  <a:srgbClr val="0070C0"/>
+                </a:solidFill>
+              </a:rPr>
               <a:t> </a:t>
             </a:r>
             <a:r>
-              <a:rPr lang="en-US" dirty="0" err="1" smtClean="0"/>
+              <a:rPr lang="en-US" dirty="0" err="1" smtClean="0">
+                <a:solidFill>
+                  <a:srgbClr val="0070C0"/>
+                </a:solidFill>
+              </a:rPr>
               <a:t>nó</a:t>
             </a:r>
             <a:r>
-              <a:rPr lang="en-US" dirty="0" smtClean="0"/>
+              <a:rPr lang="en-US" dirty="0" smtClean="0">
+                <a:solidFill>
+                  <a:srgbClr val="0070C0"/>
+                </a:solidFill>
+              </a:rPr>
               <a:t> </a:t>
             </a:r>
             <a:r>
-              <a:rPr lang="en-US" dirty="0" err="1" smtClean="0"/>
+              <a:rPr lang="en-US" dirty="0" err="1" smtClean="0">
+                <a:solidFill>
+                  <a:srgbClr val="0070C0"/>
+                </a:solidFill>
+              </a:rPr>
               <a:t>thực</a:t>
             </a:r>
             <a:r>
-              <a:rPr lang="en-US" dirty="0" smtClean="0"/>
+              <a:rPr lang="en-US" dirty="0" smtClean="0">
+                <a:solidFill>
+                  <a:srgbClr val="0070C0"/>
+                </a:solidFill>
+              </a:rPr>
               <a:t> </a:t>
             </a:r>
             <a:r>
-              <a:rPr lang="en-US" dirty="0" err="1" smtClean="0"/>
+              <a:rPr lang="en-US" dirty="0" err="1" smtClean="0">
+                <a:solidFill>
+                  <a:srgbClr val="0070C0"/>
+                </a:solidFill>
+              </a:rPr>
               <a:t>thi</a:t>
             </a:r>
             <a:r>
-              <a:rPr lang="en-US" dirty="0" smtClean="0"/>
+              <a:rPr lang="en-US" dirty="0" smtClean="0">
+                <a:solidFill>
+                  <a:srgbClr val="0070C0"/>
+                </a:solidFill>
+              </a:rPr>
               <a:t> </a:t>
             </a:r>
             <a:r>
-              <a:rPr lang="en-US" dirty="0" err="1" smtClean="0"/>
+              <a:rPr lang="en-US" dirty="0" err="1" smtClean="0">
+                <a:solidFill>
+                  <a:srgbClr val="0070C0"/>
+                </a:solidFill>
+              </a:rPr>
               <a:t>các</a:t>
             </a:r>
             <a:r>
-              <a:rPr lang="en-US" dirty="0" smtClean="0"/>
+              <a:rPr lang="en-US" dirty="0" smtClean="0">
+                <a:solidFill>
+                  <a:srgbClr val="0070C0"/>
+                </a:solidFill>
+              </a:rPr>
               <a:t> </a:t>
             </a:r>
             <a:r>
-              <a:rPr lang="en-US" dirty="0" err="1" smtClean="0"/>
+              <a:rPr lang="en-US" dirty="0" err="1" smtClean="0">
+                <a:solidFill>
+                  <a:srgbClr val="0070C0"/>
+                </a:solidFill>
+              </a:rPr>
               <a:t>câu</a:t>
             </a:r>
             <a:r>
-              <a:rPr lang="en-US" dirty="0" smtClean="0"/>
+              <a:rPr lang="en-US" dirty="0" smtClean="0">
+                <a:solidFill>
+                  <a:srgbClr val="0070C0"/>
+                </a:solidFill>
+              </a:rPr>
               <a:t> </a:t>
             </a:r>
             <a:r>
-              <a:rPr lang="en-US" dirty="0" err="1" smtClean="0"/>
+              <a:rPr lang="en-US" dirty="0" err="1" smtClean="0">
+                <a:solidFill>
+                  <a:srgbClr val="0070C0"/>
+                </a:solidFill>
+              </a:rPr>
               <a:t>lệnh</a:t>
             </a:r>
             <a:r>
-              <a:rPr lang="en-US" dirty="0" smtClean="0"/>
+              <a:rPr lang="en-US" dirty="0" smtClean="0">
+                <a:solidFill>
+                  <a:srgbClr val="0070C0"/>
+                </a:solidFill>
+              </a:rPr>
               <a:t> </a:t>
             </a:r>
             <a:r>
-              <a:rPr lang="en-US" dirty="0" err="1" smtClean="0"/>
+              <a:rPr lang="en-US" dirty="0" err="1" smtClean="0">
+                <a:solidFill>
+                  <a:srgbClr val="0070C0"/>
+                </a:solidFill>
+              </a:rPr>
               <a:t>như</a:t>
             </a:r>
             <a:r>
-              <a:rPr lang="en-US" dirty="0" smtClean="0"/>
+              <a:rPr lang="en-US" dirty="0" smtClean="0">
+                <a:solidFill>
+                  <a:srgbClr val="0070C0"/>
+                </a:solidFill>
+              </a:rPr>
               <a:t> </a:t>
             </a:r>
             <a:r>
-              <a:rPr lang="en-US" dirty="0" err="1" smtClean="0"/>
+              <a:rPr lang="en-US" dirty="0" err="1" smtClean="0">
+                <a:solidFill>
+                  <a:srgbClr val="0070C0"/>
+                </a:solidFill>
+              </a:rPr>
               <a:t>sau</a:t>
             </a:r>
             <a:r>
-              <a:rPr lang="en-US" dirty="0" smtClean="0"/>
+              <a:rPr lang="en-US" dirty="0" smtClean="0">
+                <a:solidFill>
+                  <a:srgbClr val="0070C0"/>
+                </a:solidFill>
+              </a:rPr>
               <a:t> :</a:t>
             </a:r>
           </a:p>
           <a:p>
-            <a:endParaRPr lang="pt-BR" dirty="0" smtClean="0"/>
-          </a:p>
-          <a:p>
-            <a:r>
-              <a:rPr lang="pt-BR" dirty="0" smtClean="0"/>
+            <a:endParaRPr lang="pt-BR" dirty="0" smtClean="0">
+              <a:solidFill>
+                <a:srgbClr val="0070C0"/>
+              </a:solidFill>
+            </a:endParaRPr>
+          </a:p>
+          <a:p>
+            <a:r>
+              <a:rPr lang="pt-BR" dirty="0" smtClean="0">
+                <a:solidFill>
+                  <a:srgbClr val="0070C0"/>
+                </a:solidFill>
+              </a:rPr>
               <a:t>var </a:t>
             </a:r>
             <a:r>
-              <a:rPr lang="pt-BR" dirty="0"/>
+              <a:rPr lang="pt-BR" dirty="0">
+                <a:solidFill>
+                  <a:srgbClr val="0070C0"/>
+                </a:solidFill>
+              </a:rPr>
               <a:t>a</a:t>
             </a:r>
             <a:r>
-              <a:rPr lang="pt-BR" dirty="0" smtClean="0"/>
+              <a:rPr lang="pt-BR" dirty="0" smtClean="0">
+                <a:solidFill>
+                  <a:srgbClr val="0070C0"/>
+                </a:solidFill>
+              </a:rPr>
               <a:t>;</a:t>
             </a:r>
-            <a:endParaRPr lang="en-US" dirty="0" smtClean="0"/>
-          </a:p>
-          <a:p>
-            <a:r>
-              <a:rPr lang="pt-BR" dirty="0"/>
+            <a:endParaRPr lang="en-US" dirty="0" smtClean="0">
+              <a:solidFill>
+                <a:srgbClr val="0070C0"/>
+              </a:solidFill>
+            </a:endParaRPr>
+          </a:p>
+          <a:p>
+            <a:r>
+              <a:rPr lang="pt-BR" dirty="0">
+                <a:solidFill>
+                  <a:srgbClr val="0070C0"/>
+                </a:solidFill>
+              </a:rPr>
               <a:t>a = 2;</a:t>
             </a:r>
           </a:p>
           <a:p>
             <a:r>
-              <a:rPr lang="pt-BR" dirty="0" smtClean="0"/>
+              <a:rPr lang="pt-BR" dirty="0" smtClean="0">
+                <a:solidFill>
+                  <a:srgbClr val="0070C0"/>
+                </a:solidFill>
+              </a:rPr>
               <a:t>console.log</a:t>
             </a:r>
             <a:r>
-              <a:rPr lang="pt-BR" dirty="0"/>
+              <a:rPr lang="pt-BR" dirty="0">
+                <a:solidFill>
+                  <a:srgbClr val="0070C0"/>
+                </a:solidFill>
+              </a:rPr>
               <a:t>( a ); </a:t>
             </a:r>
-            <a:endParaRPr lang="pt-BR" dirty="0" smtClean="0"/>
-          </a:p>
-          <a:p>
-            <a:endParaRPr lang="pt-BR" dirty="0" smtClean="0"/>
-          </a:p>
-          <a:p>
-            <a:r>
-              <a:rPr lang="pt-BR" dirty="0" smtClean="0"/>
+            <a:endParaRPr lang="pt-BR" dirty="0" smtClean="0">
+              <a:solidFill>
+                <a:srgbClr val="0070C0"/>
+              </a:solidFill>
+            </a:endParaRPr>
+          </a:p>
+          <a:p>
+            <a:endParaRPr lang="pt-BR" dirty="0" smtClean="0">
+              <a:solidFill>
+                <a:srgbClr val="0070C0"/>
+              </a:solidFill>
+            </a:endParaRPr>
+          </a:p>
+          <a:p>
+            <a:r>
+              <a:rPr lang="pt-BR" dirty="0" smtClean="0">
+                <a:solidFill>
+                  <a:srgbClr val="0070C0"/>
+                </a:solidFill>
+              </a:rPr>
               <a:t>Và ví dụ 2 sẽ là :</a:t>
             </a:r>
           </a:p>
           <a:p>
-            <a:endParaRPr lang="pt-BR" dirty="0" smtClean="0"/>
-          </a:p>
-          <a:p>
-            <a:r>
-              <a:rPr lang="pt-BR" dirty="0" smtClean="0"/>
+            <a:endParaRPr lang="pt-BR" dirty="0" smtClean="0">
+              <a:solidFill>
+                <a:srgbClr val="0070C0"/>
+              </a:solidFill>
+            </a:endParaRPr>
+          </a:p>
+          <a:p>
+            <a:r>
+              <a:rPr lang="pt-BR" dirty="0" smtClean="0">
+                <a:solidFill>
+                  <a:srgbClr val="0070C0"/>
+                </a:solidFill>
+              </a:rPr>
               <a:t>Var a;</a:t>
             </a:r>
-            <a:endParaRPr lang="pt-BR" dirty="0"/>
-          </a:p>
-          <a:p>
-            <a:r>
-              <a:rPr lang="pt-BR" dirty="0"/>
+            <a:endParaRPr lang="pt-BR" dirty="0">
+              <a:solidFill>
+                <a:srgbClr val="0070C0"/>
+              </a:solidFill>
+            </a:endParaRPr>
+          </a:p>
+          <a:p>
+            <a:r>
+              <a:rPr lang="pt-BR" dirty="0">
+                <a:solidFill>
+                  <a:srgbClr val="0070C0"/>
+                </a:solidFill>
+              </a:rPr>
               <a:t>console.log( a ); </a:t>
             </a:r>
           </a:p>
           <a:p>
             <a:r>
-              <a:rPr lang="pt-BR" dirty="0" smtClean="0"/>
+              <a:rPr lang="pt-BR" dirty="0" smtClean="0">
+                <a:solidFill>
+                  <a:srgbClr val="0070C0"/>
+                </a:solidFill>
+              </a:rPr>
               <a:t>a </a:t>
             </a:r>
             <a:r>
-              <a:rPr lang="pt-BR" dirty="0"/>
+              <a:rPr lang="pt-BR" dirty="0">
+                <a:solidFill>
+                  <a:srgbClr val="0070C0"/>
+                </a:solidFill>
+              </a:rPr>
               <a:t>= 2;</a:t>
             </a:r>
           </a:p>
           <a:p>
-            <a:endParaRPr lang="en-US" dirty="0"/>
+            <a:endParaRPr lang="en-US" dirty="0">
+              <a:solidFill>
+                <a:srgbClr val="0070C0"/>
+              </a:solidFill>
+            </a:endParaRPr>
           </a:p>
         </p:txBody>
       </p:sp>
@@ -9136,103 +9981,386 @@
           <a:lstStyle/>
           <a:p>
             <a:r>
-              <a:rPr lang="en-US" dirty="0" err="1" smtClean="0"/>
+              <a:rPr lang="en-US" dirty="0" err="1" smtClean="0">
+                <a:solidFill>
+                  <a:srgbClr val="0070C0"/>
+                </a:solidFill>
+              </a:rPr>
               <a:t>Ví</a:t>
             </a:r>
             <a:r>
-              <a:rPr lang="en-US" dirty="0" smtClean="0"/>
+              <a:rPr lang="en-US" dirty="0" smtClean="0">
+                <a:solidFill>
+                  <a:srgbClr val="0070C0"/>
+                </a:solidFill>
+              </a:rPr>
               <a:t> </a:t>
             </a:r>
             <a:r>
-              <a:rPr lang="en-US" dirty="0" err="1" smtClean="0"/>
+              <a:rPr lang="en-US" dirty="0" err="1" smtClean="0">
+                <a:solidFill>
+                  <a:srgbClr val="0070C0"/>
+                </a:solidFill>
+              </a:rPr>
               <a:t>dụ</a:t>
             </a:r>
             <a:r>
-              <a:rPr lang="en-US" dirty="0" smtClean="0"/>
+              <a:rPr lang="en-US" dirty="0" smtClean="0">
+                <a:solidFill>
+                  <a:srgbClr val="0070C0"/>
+                </a:solidFill>
+              </a:rPr>
               <a:t> </a:t>
             </a:r>
             <a:r>
-              <a:rPr lang="en-US" dirty="0" err="1" smtClean="0"/>
+              <a:rPr lang="en-US" dirty="0" err="1" smtClean="0">
+                <a:solidFill>
+                  <a:srgbClr val="0070C0"/>
+                </a:solidFill>
+              </a:rPr>
               <a:t>với</a:t>
             </a:r>
             <a:r>
-              <a:rPr lang="en-US" dirty="0" smtClean="0"/>
+              <a:rPr lang="en-US" dirty="0" smtClean="0">
+                <a:solidFill>
+                  <a:srgbClr val="0070C0"/>
+                </a:solidFill>
+              </a:rPr>
               <a:t> function :</a:t>
             </a:r>
           </a:p>
           <a:p>
-            <a:endParaRPr lang="en-US" dirty="0" smtClean="0"/>
-          </a:p>
-          <a:p>
-            <a:r>
-              <a:rPr lang="en-US" dirty="0" smtClean="0"/>
+            <a:endParaRPr lang="en-US" dirty="0" smtClean="0">
+              <a:solidFill>
+                <a:srgbClr val="0070C0"/>
+              </a:solidFill>
+            </a:endParaRPr>
+          </a:p>
+          <a:p>
+            <a:r>
+              <a:rPr lang="en-US" dirty="0" smtClean="0">
+                <a:solidFill>
+                  <a:srgbClr val="0070C0"/>
+                </a:solidFill>
+              </a:rPr>
               <a:t>foo</a:t>
             </a:r>
             <a:r>
-              <a:rPr lang="en-US" dirty="0"/>
+              <a:rPr lang="en-US" dirty="0">
+                <a:solidFill>
+                  <a:srgbClr val="0070C0"/>
+                </a:solidFill>
+              </a:rPr>
               <a:t>();</a:t>
             </a:r>
           </a:p>
           <a:p>
-            <a:endParaRPr lang="en-US" dirty="0"/>
-          </a:p>
-          <a:p>
-            <a:r>
-              <a:rPr lang="en-US" dirty="0"/>
+            <a:endParaRPr lang="en-US" dirty="0">
+              <a:solidFill>
+                <a:srgbClr val="0070C0"/>
+              </a:solidFill>
+            </a:endParaRPr>
+          </a:p>
+          <a:p>
+            <a:r>
+              <a:rPr lang="en-US" dirty="0">
+                <a:solidFill>
+                  <a:srgbClr val="0070C0"/>
+                </a:solidFill>
+              </a:rPr>
               <a:t>function foo() {</a:t>
             </a:r>
           </a:p>
           <a:p>
             <a:r>
-              <a:rPr lang="en-US" dirty="0"/>
+              <a:rPr lang="en-US" dirty="0">
+                <a:solidFill>
+                  <a:srgbClr val="0070C0"/>
+                </a:solidFill>
+              </a:rPr>
               <a:t>	console.log( a ); </a:t>
             </a:r>
           </a:p>
           <a:p>
-            <a:endParaRPr lang="en-US" dirty="0"/>
-          </a:p>
-          <a:p>
-            <a:r>
-              <a:rPr lang="en-US" dirty="0"/>
+            <a:endParaRPr lang="en-US" dirty="0">
+              <a:solidFill>
+                <a:srgbClr val="0070C0"/>
+              </a:solidFill>
+            </a:endParaRPr>
+          </a:p>
+          <a:p>
+            <a:r>
+              <a:rPr lang="en-US" dirty="0">
+                <a:solidFill>
+                  <a:srgbClr val="0070C0"/>
+                </a:solidFill>
+              </a:rPr>
               <a:t>	</a:t>
             </a:r>
             <a:r>
-              <a:rPr lang="en-US" dirty="0" err="1"/>
+              <a:rPr lang="en-US" dirty="0" err="1">
+                <a:solidFill>
+                  <a:srgbClr val="0070C0"/>
+                </a:solidFill>
+              </a:rPr>
               <a:t>var</a:t>
             </a:r>
             <a:r>
-              <a:rPr lang="en-US" dirty="0"/>
+              <a:rPr lang="en-US" dirty="0">
+                <a:solidFill>
+                  <a:srgbClr val="0070C0"/>
+                </a:solidFill>
+              </a:rPr>
               <a:t> a = 2;</a:t>
             </a:r>
           </a:p>
           <a:p>
             <a:r>
-              <a:rPr lang="en-US" dirty="0"/>
+              <a:rPr lang="en-US" dirty="0">
+                <a:solidFill>
+                  <a:srgbClr val="0070C0"/>
+                </a:solidFill>
+              </a:rPr>
               <a:t>}</a:t>
             </a:r>
           </a:p>
           <a:p>
             <a:r>
-              <a:rPr lang="en-US" dirty="0" smtClean="0"/>
+              <a:rPr lang="en-US" dirty="0" smtClean="0">
+                <a:solidFill>
+                  <a:srgbClr val="0070C0"/>
+                </a:solidFill>
+              </a:rPr>
               <a:t>// Output </a:t>
             </a:r>
             <a:r>
-              <a:rPr lang="en-US" dirty="0" err="1" smtClean="0"/>
+              <a:rPr lang="en-US" dirty="0" err="1" smtClean="0">
+                <a:solidFill>
+                  <a:srgbClr val="0070C0"/>
+                </a:solidFill>
+              </a:rPr>
               <a:t>sẽ</a:t>
             </a:r>
             <a:r>
-              <a:rPr lang="en-US" dirty="0" smtClean="0"/>
+              <a:rPr lang="en-US" dirty="0" smtClean="0">
+                <a:solidFill>
+                  <a:srgbClr val="0070C0"/>
+                </a:solidFill>
+              </a:rPr>
               <a:t> </a:t>
             </a:r>
             <a:r>
-              <a:rPr lang="en-US" dirty="0" err="1" smtClean="0"/>
+              <a:rPr lang="en-US" dirty="0" err="1" smtClean="0">
+                <a:solidFill>
+                  <a:srgbClr val="0070C0"/>
+                </a:solidFill>
+              </a:rPr>
               <a:t>là</a:t>
             </a:r>
             <a:r>
-              <a:rPr lang="en-US" dirty="0" smtClean="0"/>
+              <a:rPr lang="en-US" dirty="0" smtClean="0">
+                <a:solidFill>
+                  <a:srgbClr val="0070C0"/>
+                </a:solidFill>
+              </a:rPr>
               <a:t> undefined</a:t>
             </a:r>
-            <a:endParaRPr lang="en-US" dirty="0"/>
+            <a:endParaRPr lang="en-US" dirty="0">
+              <a:solidFill>
+                <a:srgbClr val="0070C0"/>
+              </a:solidFill>
+            </a:endParaRPr>
+          </a:p>
+        </p:txBody>
+      </p:sp>
+      <p:sp>
+        <p:nvSpPr>
+          <p:cNvPr id="5" name="TextBox 4"/>
+          <p:cNvSpPr txBox="1"/>
+          <p:nvPr/>
+        </p:nvSpPr>
+        <p:spPr>
+          <a:xfrm>
+            <a:off x="2794957" y="3742216"/>
+            <a:ext cx="8151963" cy="2862322"/>
+          </a:xfrm>
+          <a:prstGeom prst="rect">
+            <a:avLst/>
+          </a:prstGeom>
+          <a:noFill/>
+        </p:spPr>
+        <p:txBody>
+          <a:bodyPr wrap="square" rtlCol="0">
+            <a:spAutoFit/>
+          </a:bodyPr>
+          <a:lstStyle/>
+          <a:p>
+            <a:r>
+              <a:rPr lang="en-US" dirty="0" err="1" smtClean="0">
+                <a:solidFill>
+                  <a:srgbClr val="0070C0"/>
+                </a:solidFill>
+              </a:rPr>
+              <a:t>Sau</a:t>
+            </a:r>
+            <a:r>
+              <a:rPr lang="en-US" dirty="0" smtClean="0">
+                <a:solidFill>
+                  <a:srgbClr val="0070C0"/>
+                </a:solidFill>
+              </a:rPr>
+              <a:t> </a:t>
+            </a:r>
+            <a:r>
+              <a:rPr lang="en-US" dirty="0" err="1" smtClean="0">
+                <a:solidFill>
+                  <a:srgbClr val="0070C0"/>
+                </a:solidFill>
+              </a:rPr>
+              <a:t>khi</a:t>
+            </a:r>
+            <a:r>
+              <a:rPr lang="en-US" dirty="0" smtClean="0">
+                <a:solidFill>
+                  <a:srgbClr val="0070C0"/>
+                </a:solidFill>
+              </a:rPr>
+              <a:t> Hoisting :</a:t>
+            </a:r>
+          </a:p>
+          <a:p>
+            <a:endParaRPr lang="en-US" dirty="0" smtClean="0">
+              <a:solidFill>
+                <a:srgbClr val="0070C0"/>
+              </a:solidFill>
+            </a:endParaRPr>
+          </a:p>
+          <a:p>
+            <a:r>
+              <a:rPr lang="en-US" dirty="0">
+                <a:solidFill>
+                  <a:srgbClr val="0070C0"/>
+                </a:solidFill>
+              </a:rPr>
+              <a:t>function foo() </a:t>
+            </a:r>
+            <a:r>
+              <a:rPr lang="en-US" dirty="0" smtClean="0">
+                <a:solidFill>
+                  <a:srgbClr val="0070C0"/>
+                </a:solidFill>
+              </a:rPr>
+              <a:t>{</a:t>
+            </a:r>
+          </a:p>
+          <a:p>
+            <a:r>
+              <a:rPr lang="en-US" dirty="0" smtClean="0">
+                <a:solidFill>
+                  <a:srgbClr val="0070C0"/>
+                </a:solidFill>
+              </a:rPr>
+              <a:t>	</a:t>
+            </a:r>
+            <a:r>
+              <a:rPr lang="en-US" dirty="0" err="1" smtClean="0">
+                <a:solidFill>
+                  <a:srgbClr val="0070C0"/>
+                </a:solidFill>
+              </a:rPr>
+              <a:t>var</a:t>
+            </a:r>
+            <a:r>
+              <a:rPr lang="en-US" dirty="0" smtClean="0">
+                <a:solidFill>
+                  <a:srgbClr val="0070C0"/>
+                </a:solidFill>
+              </a:rPr>
+              <a:t> a;</a:t>
+            </a:r>
+            <a:endParaRPr lang="en-US" dirty="0">
+              <a:solidFill>
+                <a:srgbClr val="0070C0"/>
+              </a:solidFill>
+            </a:endParaRPr>
+          </a:p>
+          <a:p>
+            <a:r>
+              <a:rPr lang="en-US" dirty="0">
+                <a:solidFill>
+                  <a:srgbClr val="0070C0"/>
+                </a:solidFill>
+              </a:rPr>
+              <a:t>	console.log( a ); </a:t>
+            </a:r>
+          </a:p>
+          <a:p>
+            <a:r>
+              <a:rPr lang="en-US" dirty="0">
+                <a:solidFill>
+                  <a:srgbClr val="0070C0"/>
+                </a:solidFill>
+              </a:rPr>
+              <a:t>	</a:t>
+            </a:r>
+            <a:r>
+              <a:rPr lang="en-US" dirty="0" smtClean="0">
+                <a:solidFill>
+                  <a:srgbClr val="0070C0"/>
+                </a:solidFill>
+              </a:rPr>
+              <a:t>a </a:t>
+            </a:r>
+            <a:r>
+              <a:rPr lang="en-US" dirty="0">
+                <a:solidFill>
+                  <a:srgbClr val="0070C0"/>
+                </a:solidFill>
+              </a:rPr>
+              <a:t>= 2;</a:t>
+            </a:r>
+          </a:p>
+          <a:p>
+            <a:r>
+              <a:rPr lang="en-US" dirty="0" smtClean="0">
+                <a:solidFill>
+                  <a:srgbClr val="0070C0"/>
+                </a:solidFill>
+              </a:rPr>
+              <a:t>}</a:t>
+            </a:r>
+          </a:p>
+          <a:p>
+            <a:endParaRPr lang="en-US" dirty="0" smtClean="0">
+              <a:solidFill>
+                <a:srgbClr val="0070C0"/>
+              </a:solidFill>
+            </a:endParaRPr>
+          </a:p>
+          <a:p>
+            <a:r>
+              <a:rPr lang="en-US" dirty="0" smtClean="0">
+                <a:solidFill>
+                  <a:srgbClr val="0070C0"/>
+                </a:solidFill>
+              </a:rPr>
+              <a:t>foo</a:t>
+            </a:r>
+            <a:r>
+              <a:rPr lang="en-US" dirty="0">
+                <a:solidFill>
+                  <a:srgbClr val="0070C0"/>
+                </a:solidFill>
+              </a:rPr>
+              <a:t>();</a:t>
+            </a:r>
+          </a:p>
+          <a:p>
+            <a:endParaRPr lang="en-US" dirty="0">
+              <a:solidFill>
+                <a:srgbClr val="0070C0"/>
+              </a:solidFill>
+            </a:endParaRPr>
           </a:p>
         </p:txBody>
       </p:sp>
@@ -9268,6 +10396,401 @@
       </p:grpSpPr>
       <p:sp>
         <p:nvSpPr>
+          <p:cNvPr id="4" name="Slide Number Placeholder 3"/>
+          <p:cNvSpPr>
+            <a:spLocks noGrp="1"/>
+          </p:cNvSpPr>
+          <p:nvPr>
+            <p:ph type="sldNum" sz="quarter" idx="12"/>
+          </p:nvPr>
+        </p:nvSpPr>
+        <p:spPr/>
+        <p:txBody>
+          <a:bodyPr/>
+          <a:lstStyle/>
+          <a:p>
+            <a:fld id="{D57F1E4F-1CFF-5643-939E-217C01CDF565}" type="slidenum">
+              <a:rPr lang="en-US" smtClean="0"/>
+              <a:pPr/>
+              <a:t>5</a:t>
+            </a:fld>
+            <a:endParaRPr lang="en-US" dirty="0"/>
+          </a:p>
+        </p:txBody>
+      </p:sp>
+      <p:sp>
+        <p:nvSpPr>
+          <p:cNvPr id="2" name="TextBox 1"/>
+          <p:cNvSpPr txBox="1"/>
+          <p:nvPr/>
+        </p:nvSpPr>
+        <p:spPr>
+          <a:xfrm>
+            <a:off x="2794958" y="595223"/>
+            <a:ext cx="8151963" cy="2031325"/>
+          </a:xfrm>
+          <a:prstGeom prst="rect">
+            <a:avLst/>
+          </a:prstGeom>
+          <a:noFill/>
+        </p:spPr>
+        <p:txBody>
+          <a:bodyPr wrap="square" rtlCol="0">
+            <a:spAutoFit/>
+          </a:bodyPr>
+          <a:lstStyle/>
+          <a:p>
+            <a:r>
+              <a:rPr lang="en-US" dirty="0" err="1" smtClean="0">
+                <a:solidFill>
+                  <a:srgbClr val="0070C0"/>
+                </a:solidFill>
+              </a:rPr>
+              <a:t>Ví</a:t>
+            </a:r>
+            <a:r>
+              <a:rPr lang="en-US" dirty="0" smtClean="0">
+                <a:solidFill>
+                  <a:srgbClr val="0070C0"/>
+                </a:solidFill>
+              </a:rPr>
+              <a:t> </a:t>
+            </a:r>
+            <a:r>
+              <a:rPr lang="en-US" dirty="0" err="1" smtClean="0">
+                <a:solidFill>
+                  <a:srgbClr val="0070C0"/>
+                </a:solidFill>
+              </a:rPr>
+              <a:t>dụ</a:t>
+            </a:r>
+            <a:r>
+              <a:rPr lang="en-US" dirty="0" smtClean="0">
+                <a:solidFill>
+                  <a:srgbClr val="0070C0"/>
+                </a:solidFill>
+              </a:rPr>
+              <a:t> </a:t>
+            </a:r>
+            <a:r>
+              <a:rPr lang="en-US" dirty="0" err="1" smtClean="0">
+                <a:solidFill>
+                  <a:srgbClr val="0070C0"/>
+                </a:solidFill>
+              </a:rPr>
+              <a:t>với</a:t>
+            </a:r>
+            <a:r>
+              <a:rPr lang="en-US" dirty="0" smtClean="0">
+                <a:solidFill>
+                  <a:srgbClr val="0070C0"/>
+                </a:solidFill>
+              </a:rPr>
+              <a:t> function :</a:t>
+            </a:r>
+          </a:p>
+          <a:p>
+            <a:endParaRPr lang="en-US" dirty="0" smtClean="0">
+              <a:solidFill>
+                <a:srgbClr val="0070C0"/>
+              </a:solidFill>
+            </a:endParaRPr>
+          </a:p>
+          <a:p>
+            <a:r>
+              <a:rPr lang="en-US" dirty="0">
+                <a:solidFill>
+                  <a:srgbClr val="0070C0"/>
+                </a:solidFill>
+              </a:rPr>
+              <a:t>foo(); // not </a:t>
+            </a:r>
+            <a:r>
+              <a:rPr lang="en-US" dirty="0" err="1">
+                <a:solidFill>
+                  <a:srgbClr val="0070C0"/>
+                </a:solidFill>
+              </a:rPr>
+              <a:t>ReferenceError</a:t>
+            </a:r>
+            <a:r>
+              <a:rPr lang="en-US" dirty="0">
+                <a:solidFill>
+                  <a:srgbClr val="0070C0"/>
+                </a:solidFill>
+              </a:rPr>
+              <a:t>, but </a:t>
+            </a:r>
+            <a:r>
+              <a:rPr lang="en-US" dirty="0" err="1">
+                <a:solidFill>
+                  <a:srgbClr val="0070C0"/>
+                </a:solidFill>
+              </a:rPr>
+              <a:t>TypeError</a:t>
+            </a:r>
+            <a:r>
+              <a:rPr lang="en-US" dirty="0">
+                <a:solidFill>
+                  <a:srgbClr val="0070C0"/>
+                </a:solidFill>
+              </a:rPr>
+              <a:t>!</a:t>
+            </a:r>
+          </a:p>
+          <a:p>
+            <a:endParaRPr lang="en-US" dirty="0">
+              <a:solidFill>
+                <a:srgbClr val="0070C0"/>
+              </a:solidFill>
+            </a:endParaRPr>
+          </a:p>
+          <a:p>
+            <a:r>
+              <a:rPr lang="en-US" dirty="0" err="1">
+                <a:solidFill>
+                  <a:srgbClr val="0070C0"/>
+                </a:solidFill>
+              </a:rPr>
+              <a:t>var</a:t>
+            </a:r>
+            <a:r>
+              <a:rPr lang="en-US" dirty="0">
+                <a:solidFill>
+                  <a:srgbClr val="0070C0"/>
+                </a:solidFill>
+              </a:rPr>
+              <a:t> foo = function bar() {</a:t>
+            </a:r>
+          </a:p>
+          <a:p>
+            <a:r>
+              <a:rPr lang="en-US" dirty="0">
+                <a:solidFill>
+                  <a:srgbClr val="0070C0"/>
+                </a:solidFill>
+              </a:rPr>
+              <a:t>	// ...</a:t>
+            </a:r>
+          </a:p>
+          <a:p>
+            <a:r>
+              <a:rPr lang="en-US" dirty="0">
+                <a:solidFill>
+                  <a:srgbClr val="0070C0"/>
+                </a:solidFill>
+              </a:rPr>
+              <a:t>};</a:t>
+            </a:r>
+          </a:p>
+        </p:txBody>
+      </p:sp>
+      <p:sp>
+        <p:nvSpPr>
+          <p:cNvPr id="5" name="TextBox 4"/>
+          <p:cNvSpPr txBox="1"/>
+          <p:nvPr/>
+        </p:nvSpPr>
+        <p:spPr>
+          <a:xfrm>
+            <a:off x="2734572" y="3328148"/>
+            <a:ext cx="8151963" cy="2308324"/>
+          </a:xfrm>
+          <a:prstGeom prst="rect">
+            <a:avLst/>
+          </a:prstGeom>
+          <a:noFill/>
+        </p:spPr>
+        <p:txBody>
+          <a:bodyPr wrap="square" rtlCol="0">
+            <a:spAutoFit/>
+          </a:bodyPr>
+          <a:lstStyle/>
+          <a:p>
+            <a:r>
+              <a:rPr lang="en-US" dirty="0" err="1" smtClean="0">
+                <a:solidFill>
+                  <a:srgbClr val="0070C0"/>
+                </a:solidFill>
+              </a:rPr>
+              <a:t>Sau</a:t>
+            </a:r>
+            <a:r>
+              <a:rPr lang="en-US" dirty="0" smtClean="0">
+                <a:solidFill>
+                  <a:srgbClr val="0070C0"/>
+                </a:solidFill>
+              </a:rPr>
+              <a:t> </a:t>
+            </a:r>
+            <a:r>
+              <a:rPr lang="en-US" dirty="0" err="1" smtClean="0">
+                <a:solidFill>
+                  <a:srgbClr val="0070C0"/>
+                </a:solidFill>
+              </a:rPr>
+              <a:t>khi</a:t>
+            </a:r>
+            <a:r>
+              <a:rPr lang="en-US" dirty="0" smtClean="0">
+                <a:solidFill>
+                  <a:srgbClr val="0070C0"/>
+                </a:solidFill>
+              </a:rPr>
+              <a:t> Hoisting :</a:t>
+            </a:r>
+          </a:p>
+          <a:p>
+            <a:endParaRPr lang="en-US" dirty="0" smtClean="0">
+              <a:solidFill>
+                <a:srgbClr val="0070C0"/>
+              </a:solidFill>
+            </a:endParaRPr>
+          </a:p>
+          <a:p>
+            <a:r>
+              <a:rPr lang="en-US" dirty="0" err="1">
+                <a:solidFill>
+                  <a:srgbClr val="0070C0"/>
+                </a:solidFill>
+              </a:rPr>
+              <a:t>var</a:t>
+            </a:r>
+            <a:r>
+              <a:rPr lang="en-US" dirty="0">
+                <a:solidFill>
+                  <a:srgbClr val="0070C0"/>
+                </a:solidFill>
+              </a:rPr>
+              <a:t> </a:t>
+            </a:r>
+            <a:r>
+              <a:rPr lang="en-US" dirty="0" smtClean="0">
+                <a:solidFill>
+                  <a:srgbClr val="0070C0"/>
+                </a:solidFill>
+              </a:rPr>
+              <a:t>foo;</a:t>
+            </a:r>
+          </a:p>
+          <a:p>
+            <a:r>
+              <a:rPr lang="en-US" dirty="0">
+                <a:solidFill>
+                  <a:srgbClr val="0070C0"/>
+                </a:solidFill>
+              </a:rPr>
+              <a:t>foo(); // </a:t>
+            </a:r>
+            <a:r>
+              <a:rPr lang="en-US" dirty="0" smtClean="0">
+                <a:solidFill>
+                  <a:srgbClr val="0070C0"/>
+                </a:solidFill>
+              </a:rPr>
+              <a:t>foo is not function in this time -&gt; have </a:t>
+            </a:r>
+            <a:r>
+              <a:rPr lang="en-US" dirty="0" err="1" smtClean="0">
+                <a:solidFill>
+                  <a:srgbClr val="0070C0"/>
+                </a:solidFill>
+              </a:rPr>
+              <a:t>TypeError</a:t>
+            </a:r>
+            <a:r>
+              <a:rPr lang="en-US" dirty="0" smtClean="0">
+                <a:solidFill>
+                  <a:srgbClr val="0070C0"/>
+                </a:solidFill>
+              </a:rPr>
+              <a:t> !</a:t>
+            </a:r>
+            <a:endParaRPr lang="en-US" dirty="0">
+              <a:solidFill>
+                <a:srgbClr val="0070C0"/>
+              </a:solidFill>
+            </a:endParaRPr>
+          </a:p>
+          <a:p>
+            <a:endParaRPr lang="en-US" dirty="0">
+              <a:solidFill>
+                <a:srgbClr val="0070C0"/>
+              </a:solidFill>
+            </a:endParaRPr>
+          </a:p>
+          <a:p>
+            <a:r>
+              <a:rPr lang="en-US" dirty="0" smtClean="0">
+                <a:solidFill>
+                  <a:srgbClr val="0070C0"/>
+                </a:solidFill>
+              </a:rPr>
+              <a:t>foo </a:t>
+            </a:r>
+            <a:r>
+              <a:rPr lang="en-US" dirty="0">
+                <a:solidFill>
+                  <a:srgbClr val="0070C0"/>
+                </a:solidFill>
+              </a:rPr>
+              <a:t>= function bar() {</a:t>
+            </a:r>
+          </a:p>
+          <a:p>
+            <a:r>
+              <a:rPr lang="en-US" dirty="0">
+                <a:solidFill>
+                  <a:srgbClr val="0070C0"/>
+                </a:solidFill>
+              </a:rPr>
+              <a:t>	// ...</a:t>
+            </a:r>
+          </a:p>
+          <a:p>
+            <a:r>
+              <a:rPr lang="en-US" dirty="0">
+                <a:solidFill>
+                  <a:srgbClr val="0070C0"/>
+                </a:solidFill>
+              </a:rPr>
+              <a:t>};</a:t>
+            </a:r>
+          </a:p>
+        </p:txBody>
+      </p:sp>
+    </p:spTree>
+    <p:extLst>
+      <p:ext uri="{BB962C8B-B14F-4D97-AF65-F5344CB8AC3E}">
+        <p14:creationId xmlns:p14="http://schemas.microsoft.com/office/powerpoint/2010/main" val="330769812"/>
+      </p:ext>
+    </p:extLst>
+  </p:cSld>
+  <p:clrMapOvr>
+    <a:masterClrMapping/>
+  </p:clrMapOvr>
+</p:sld>
+</file>
+
+<file path=ppt/slides/slide6.xml><?xml version="1.0" encoding="utf-8"?>
+<p:sld xmlns:a="http://schemas.openxmlformats.org/drawingml/2006/main" xmlns:r="http://schemas.openxmlformats.org/officeDocument/2006/relationships" xmlns:p="http://schemas.openxmlformats.org/presentationml/2006/main">
+  <p:cSld>
+    <p:spTree>
+      <p:nvGrpSpPr>
+        <p:cNvPr id="1" name=""/>
+        <p:cNvGrpSpPr/>
+        <p:nvPr/>
+      </p:nvGrpSpPr>
+      <p:grpSpPr>
+        <a:xfrm>
+          <a:off x="0" y="0"/>
+          <a:ext cx="0" cy="0"/>
+          <a:chOff x="0" y="0"/>
+          <a:chExt cx="0" cy="0"/>
+        </a:xfrm>
+      </p:grpSpPr>
+      <p:sp>
+        <p:nvSpPr>
           <p:cNvPr id="2" name="Title 1"/>
           <p:cNvSpPr>
             <a:spLocks noGrp="1"/>
@@ -9313,7 +10836,7 @@
             <a:fld id="{D57F1E4F-1CFF-5643-939E-217C01CDF565}" type="slidenum">
               <a:rPr lang="en-US" smtClean="0"/>
               <a:pPr/>
-              <a:t>5</a:t>
+              <a:t>6</a:t>
             </a:fld>
             <a:endParaRPr lang="en-US" dirty="0"/>
           </a:p>
@@ -9444,7 +10967,7 @@
 </p:sld>
 </file>
 
-<file path=ppt/slides/slide6.xml><?xml version="1.0" encoding="utf-8"?>
+<file path=ppt/slides/slide7.xml><?xml version="1.0" encoding="utf-8"?>
 <p:sld xmlns:a="http://schemas.openxmlformats.org/drawingml/2006/main" xmlns:r="http://schemas.openxmlformats.org/officeDocument/2006/relationships" xmlns:p="http://schemas.openxmlformats.org/presentationml/2006/main">
   <p:cSld>
     <p:spTree>
@@ -9474,7 +10997,7 @@
         <p:spPr>
           <a:xfrm>
             <a:off x="2592925" y="138023"/>
-            <a:ext cx="8911687" cy="3157268"/>
+            <a:ext cx="8911687" cy="2424022"/>
           </a:xfrm>
         </p:spPr>
         <p:txBody>
@@ -9485,7 +11008,7 @@
           <a:p>
             <a:pPr>
               <a:lnSpc>
-                <a:spcPct val="200000"/>
+                <a:spcPct val="150000"/>
               </a:lnSpc>
             </a:pPr>
             <a:r>
@@ -10215,7 +11738,7 @@
             <a:fld id="{D57F1E4F-1CFF-5643-939E-217C01CDF565}" type="slidenum">
               <a:rPr lang="en-US" smtClean="0"/>
               <a:pPr/>
-              <a:t>6</a:t>
+              <a:t>7</a:t>
             </a:fld>
             <a:endParaRPr lang="en-US" dirty="0"/>
           </a:p>
@@ -10223,7 +11746,7 @@
       </p:sp>
       <p:pic>
         <p:nvPicPr>
-          <p:cNvPr id="8" name="Content Placeholder 7"/>
+          <p:cNvPr id="5" name="Content Placeholder 4"/>
           <p:cNvPicPr>
             <a:picLocks noGrp="1" noChangeAspect="1"/>
           </p:cNvPicPr>
@@ -10231,7 +11754,7 @@
             <p:ph idx="1"/>
           </p:nvPr>
         </p:nvPicPr>
-        <p:blipFill>
+        <p:blipFill rotWithShape="1">
           <a:blip r:embed="rId2">
             <a:extLst>
               <a:ext uri="{28A0092B-C50C-407E-A947-70E740481C1C}">
@@ -10239,14 +11762,13 @@
               </a:ext>
             </a:extLst>
           </a:blip>
-          <a:stretch>
-            <a:fillRect/>
-          </a:stretch>
+          <a:srcRect l="-34763" t="-537" r="35093" b="537"/>
+          <a:stretch/>
         </p:blipFill>
         <p:spPr>
           <a:xfrm>
-            <a:off x="3470353" y="3619034"/>
-            <a:ext cx="7269533" cy="2678249"/>
+            <a:off x="120770" y="2803584"/>
+            <a:ext cx="9937630" cy="3549471"/>
           </a:xfrm>
         </p:spPr>
       </p:pic>
@@ -10254,6 +11776,1658 @@
     <p:extLst>
       <p:ext uri="{BB962C8B-B14F-4D97-AF65-F5344CB8AC3E}">
         <p14:creationId xmlns:p14="http://schemas.microsoft.com/office/powerpoint/2010/main" val="648158516"/>
+      </p:ext>
+    </p:extLst>
+  </p:cSld>
+  <p:clrMapOvr>
+    <a:masterClrMapping/>
+  </p:clrMapOvr>
+</p:sld>
+</file>
+
+<file path=ppt/slides/slide8.xml><?xml version="1.0" encoding="utf-8"?>
+<p:sld xmlns:a="http://schemas.openxmlformats.org/drawingml/2006/main" xmlns:r="http://schemas.openxmlformats.org/officeDocument/2006/relationships" xmlns:p="http://schemas.openxmlformats.org/presentationml/2006/main">
+  <p:cSld>
+    <p:spTree>
+      <p:nvGrpSpPr>
+        <p:cNvPr id="1" name=""/>
+        <p:cNvGrpSpPr/>
+        <p:nvPr/>
+      </p:nvGrpSpPr>
+      <p:grpSpPr>
+        <a:xfrm>
+          <a:off x="0" y="0"/>
+          <a:ext cx="0" cy="0"/>
+          <a:chOff x="0" y="0"/>
+          <a:chExt cx="0" cy="0"/>
+        </a:xfrm>
+      </p:grpSpPr>
+      <p:sp>
+        <p:nvSpPr>
+          <p:cNvPr id="4" name="Slide Number Placeholder 3"/>
+          <p:cNvSpPr>
+            <a:spLocks noGrp="1"/>
+          </p:cNvSpPr>
+          <p:nvPr>
+            <p:ph type="sldNum" sz="quarter" idx="12"/>
+          </p:nvPr>
+        </p:nvSpPr>
+        <p:spPr/>
+        <p:txBody>
+          <a:bodyPr/>
+          <a:lstStyle/>
+          <a:p>
+            <a:fld id="{D57F1E4F-1CFF-5643-939E-217C01CDF565}" type="slidenum">
+              <a:rPr lang="en-US" smtClean="0"/>
+              <a:pPr/>
+              <a:t>8</a:t>
+            </a:fld>
+            <a:endParaRPr lang="en-US" dirty="0"/>
+          </a:p>
+        </p:txBody>
+      </p:sp>
+      <p:sp>
+        <p:nvSpPr>
+          <p:cNvPr id="6" name="TextBox 5"/>
+          <p:cNvSpPr txBox="1"/>
+          <p:nvPr/>
+        </p:nvSpPr>
+        <p:spPr>
+          <a:xfrm>
+            <a:off x="2881223" y="508958"/>
+            <a:ext cx="2734573" cy="5355312"/>
+          </a:xfrm>
+          <a:prstGeom prst="rect">
+            <a:avLst/>
+          </a:prstGeom>
+          <a:noFill/>
+        </p:spPr>
+        <p:txBody>
+          <a:bodyPr wrap="square" rtlCol="0">
+            <a:spAutoFit/>
+          </a:bodyPr>
+          <a:lstStyle/>
+          <a:p>
+            <a:r>
+              <a:rPr lang="en-US" dirty="0" err="1" smtClean="0">
+                <a:solidFill>
+                  <a:srgbClr val="0070C0"/>
+                </a:solidFill>
+              </a:rPr>
+              <a:t>Ví</a:t>
+            </a:r>
+            <a:r>
+              <a:rPr lang="en-US" dirty="0" smtClean="0">
+                <a:solidFill>
+                  <a:srgbClr val="0070C0"/>
+                </a:solidFill>
+              </a:rPr>
+              <a:t> </a:t>
+            </a:r>
+            <a:r>
+              <a:rPr lang="en-US" dirty="0" err="1" smtClean="0">
+                <a:solidFill>
+                  <a:srgbClr val="0070C0"/>
+                </a:solidFill>
+              </a:rPr>
+              <a:t>dụ</a:t>
+            </a:r>
+            <a:r>
+              <a:rPr lang="en-US" dirty="0" smtClean="0">
+                <a:solidFill>
+                  <a:srgbClr val="0070C0"/>
+                </a:solidFill>
+              </a:rPr>
+              <a:t> :</a:t>
+            </a:r>
+          </a:p>
+          <a:p>
+            <a:r>
+              <a:rPr lang="en-US" dirty="0" err="1" smtClean="0">
+                <a:solidFill>
+                  <a:srgbClr val="0070C0"/>
+                </a:solidFill>
+              </a:rPr>
+              <a:t>Var</a:t>
+            </a:r>
+            <a:r>
+              <a:rPr lang="en-US" dirty="0" smtClean="0">
+                <a:solidFill>
+                  <a:srgbClr val="0070C0"/>
+                </a:solidFill>
+              </a:rPr>
+              <a:t> </a:t>
+            </a:r>
+            <a:r>
+              <a:rPr lang="en-US" dirty="0" err="1" smtClean="0">
+                <a:solidFill>
+                  <a:srgbClr val="0070C0"/>
+                </a:solidFill>
+              </a:rPr>
+              <a:t>fn</a:t>
+            </a:r>
+            <a:r>
+              <a:rPr lang="en-US" dirty="0" smtClean="0">
+                <a:solidFill>
+                  <a:srgbClr val="0070C0"/>
+                </a:solidFill>
+              </a:rPr>
+              <a:t>;</a:t>
+            </a:r>
+          </a:p>
+          <a:p>
+            <a:r>
+              <a:rPr lang="en-US" dirty="0" smtClean="0">
+                <a:solidFill>
+                  <a:srgbClr val="0070C0"/>
+                </a:solidFill>
+              </a:rPr>
+              <a:t>function </a:t>
+            </a:r>
+            <a:r>
+              <a:rPr lang="en-US" dirty="0">
+                <a:solidFill>
+                  <a:srgbClr val="0070C0"/>
+                </a:solidFill>
+              </a:rPr>
+              <a:t>foo() {</a:t>
+            </a:r>
+          </a:p>
+          <a:p>
+            <a:r>
+              <a:rPr lang="en-US" dirty="0">
+                <a:solidFill>
+                  <a:srgbClr val="0070C0"/>
+                </a:solidFill>
+              </a:rPr>
+              <a:t>	</a:t>
+            </a:r>
+            <a:r>
+              <a:rPr lang="en-US" dirty="0" err="1">
+                <a:solidFill>
+                  <a:srgbClr val="0070C0"/>
+                </a:solidFill>
+              </a:rPr>
+              <a:t>var</a:t>
+            </a:r>
+            <a:r>
+              <a:rPr lang="en-US" dirty="0">
+                <a:solidFill>
+                  <a:srgbClr val="0070C0"/>
+                </a:solidFill>
+              </a:rPr>
+              <a:t> a = 2;</a:t>
+            </a:r>
+          </a:p>
+          <a:p>
+            <a:endParaRPr lang="en-US" dirty="0">
+              <a:solidFill>
+                <a:srgbClr val="0070C0"/>
+              </a:solidFill>
+            </a:endParaRPr>
+          </a:p>
+          <a:p>
+            <a:r>
+              <a:rPr lang="en-US" dirty="0">
+                <a:solidFill>
+                  <a:srgbClr val="0070C0"/>
+                </a:solidFill>
+              </a:rPr>
+              <a:t>	function </a:t>
+            </a:r>
+            <a:r>
+              <a:rPr lang="en-US" dirty="0" err="1">
+                <a:solidFill>
+                  <a:srgbClr val="0070C0"/>
+                </a:solidFill>
+              </a:rPr>
+              <a:t>baz</a:t>
+            </a:r>
+            <a:r>
+              <a:rPr lang="en-US" dirty="0">
+                <a:solidFill>
+                  <a:srgbClr val="0070C0"/>
+                </a:solidFill>
+              </a:rPr>
+              <a:t>() {</a:t>
+            </a:r>
+          </a:p>
+          <a:p>
+            <a:r>
+              <a:rPr lang="en-US" dirty="0">
+                <a:solidFill>
+                  <a:srgbClr val="0070C0"/>
+                </a:solidFill>
+              </a:rPr>
+              <a:t>		console.log( a );</a:t>
+            </a:r>
+          </a:p>
+          <a:p>
+            <a:r>
+              <a:rPr lang="en-US" dirty="0">
+                <a:solidFill>
+                  <a:srgbClr val="0070C0"/>
+                </a:solidFill>
+              </a:rPr>
+              <a:t>	}</a:t>
+            </a:r>
+          </a:p>
+          <a:p>
+            <a:endParaRPr lang="en-US" dirty="0">
+              <a:solidFill>
+                <a:srgbClr val="0070C0"/>
+              </a:solidFill>
+            </a:endParaRPr>
+          </a:p>
+          <a:p>
+            <a:r>
+              <a:rPr lang="en-US" dirty="0">
+                <a:solidFill>
+                  <a:srgbClr val="0070C0"/>
+                </a:solidFill>
+              </a:rPr>
+              <a:t>	</a:t>
+            </a:r>
+            <a:r>
+              <a:rPr lang="en-US" dirty="0" err="1">
+                <a:solidFill>
+                  <a:srgbClr val="0070C0"/>
+                </a:solidFill>
+              </a:rPr>
+              <a:t>fn</a:t>
+            </a:r>
+            <a:r>
+              <a:rPr lang="en-US" dirty="0">
+                <a:solidFill>
+                  <a:srgbClr val="0070C0"/>
+                </a:solidFill>
+              </a:rPr>
+              <a:t> = </a:t>
+            </a:r>
+            <a:r>
+              <a:rPr lang="en-US" dirty="0" err="1">
+                <a:solidFill>
+                  <a:srgbClr val="0070C0"/>
+                </a:solidFill>
+              </a:rPr>
+              <a:t>baz</a:t>
+            </a:r>
+            <a:r>
+              <a:rPr lang="en-US" dirty="0">
+                <a:solidFill>
+                  <a:srgbClr val="0070C0"/>
+                </a:solidFill>
+              </a:rPr>
+              <a:t>;</a:t>
+            </a:r>
+          </a:p>
+          <a:p>
+            <a:r>
+              <a:rPr lang="en-US" dirty="0">
+                <a:solidFill>
+                  <a:srgbClr val="0070C0"/>
+                </a:solidFill>
+              </a:rPr>
+              <a:t>}</a:t>
+            </a:r>
+          </a:p>
+          <a:p>
+            <a:endParaRPr lang="en-US" dirty="0">
+              <a:solidFill>
+                <a:srgbClr val="0070C0"/>
+              </a:solidFill>
+            </a:endParaRPr>
+          </a:p>
+          <a:p>
+            <a:r>
+              <a:rPr lang="en-US" dirty="0">
+                <a:solidFill>
+                  <a:srgbClr val="0070C0"/>
+                </a:solidFill>
+              </a:rPr>
+              <a:t>function bar() {</a:t>
+            </a:r>
+          </a:p>
+          <a:p>
+            <a:r>
+              <a:rPr lang="en-US" dirty="0">
+                <a:solidFill>
+                  <a:srgbClr val="0070C0"/>
+                </a:solidFill>
+              </a:rPr>
+              <a:t>	</a:t>
+            </a:r>
+            <a:r>
+              <a:rPr lang="en-US" dirty="0" err="1">
+                <a:solidFill>
+                  <a:srgbClr val="0070C0"/>
+                </a:solidFill>
+              </a:rPr>
+              <a:t>fn</a:t>
+            </a:r>
+            <a:r>
+              <a:rPr lang="en-US" dirty="0">
+                <a:solidFill>
+                  <a:srgbClr val="0070C0"/>
+                </a:solidFill>
+              </a:rPr>
+              <a:t>();</a:t>
+            </a:r>
+          </a:p>
+          <a:p>
+            <a:r>
+              <a:rPr lang="en-US" dirty="0">
+                <a:solidFill>
+                  <a:srgbClr val="0070C0"/>
+                </a:solidFill>
+              </a:rPr>
+              <a:t>}</a:t>
+            </a:r>
+          </a:p>
+          <a:p>
+            <a:endParaRPr lang="en-US" dirty="0">
+              <a:solidFill>
+                <a:srgbClr val="0070C0"/>
+              </a:solidFill>
+            </a:endParaRPr>
+          </a:p>
+          <a:p>
+            <a:r>
+              <a:rPr lang="en-US" dirty="0">
+                <a:solidFill>
+                  <a:srgbClr val="0070C0"/>
+                </a:solidFill>
+              </a:rPr>
+              <a:t>foo();</a:t>
+            </a:r>
+          </a:p>
+          <a:p>
+            <a:endParaRPr lang="en-US" dirty="0">
+              <a:solidFill>
+                <a:srgbClr val="0070C0"/>
+              </a:solidFill>
+            </a:endParaRPr>
+          </a:p>
+          <a:p>
+            <a:r>
+              <a:rPr lang="en-US" dirty="0">
+                <a:solidFill>
+                  <a:srgbClr val="0070C0"/>
+                </a:solidFill>
+              </a:rPr>
+              <a:t>bar(); // 2</a:t>
+            </a:r>
+          </a:p>
+        </p:txBody>
+      </p:sp>
+      <p:sp>
+        <p:nvSpPr>
+          <p:cNvPr id="7" name="TextBox 6"/>
+          <p:cNvSpPr txBox="1"/>
+          <p:nvPr/>
+        </p:nvSpPr>
+        <p:spPr>
+          <a:xfrm>
+            <a:off x="5486401" y="508958"/>
+            <a:ext cx="6599208" cy="5632311"/>
+          </a:xfrm>
+          <a:prstGeom prst="rect">
+            <a:avLst/>
+          </a:prstGeom>
+          <a:noFill/>
+        </p:spPr>
+        <p:txBody>
+          <a:bodyPr wrap="square" rtlCol="0">
+            <a:spAutoFit/>
+          </a:bodyPr>
+          <a:lstStyle/>
+          <a:p>
+            <a:r>
+              <a:rPr lang="en-US" dirty="0" smtClean="0">
+                <a:solidFill>
+                  <a:srgbClr val="0070C0"/>
+                </a:solidFill>
+              </a:rPr>
+              <a:t> </a:t>
+            </a:r>
+          </a:p>
+          <a:p>
+            <a:r>
+              <a:rPr lang="en-US" dirty="0">
+                <a:solidFill>
+                  <a:srgbClr val="0070C0"/>
+                </a:solidFill>
+              </a:rPr>
+              <a:t>//</a:t>
+            </a:r>
+            <a:r>
+              <a:rPr lang="en-US" dirty="0" err="1">
+                <a:solidFill>
+                  <a:srgbClr val="0070C0"/>
+                </a:solidFill>
+              </a:rPr>
+              <a:t>Khai</a:t>
+            </a:r>
+            <a:r>
+              <a:rPr lang="en-US" dirty="0">
+                <a:solidFill>
+                  <a:srgbClr val="0070C0"/>
+                </a:solidFill>
+              </a:rPr>
+              <a:t> </a:t>
+            </a:r>
+            <a:r>
+              <a:rPr lang="en-US" dirty="0" err="1">
+                <a:solidFill>
+                  <a:srgbClr val="0070C0"/>
+                </a:solidFill>
+              </a:rPr>
+              <a:t>báo</a:t>
+            </a:r>
+            <a:r>
+              <a:rPr lang="en-US" dirty="0">
+                <a:solidFill>
+                  <a:srgbClr val="0070C0"/>
+                </a:solidFill>
+              </a:rPr>
+              <a:t> </a:t>
+            </a:r>
+            <a:r>
+              <a:rPr lang="en-US" dirty="0" err="1">
+                <a:solidFill>
+                  <a:srgbClr val="0070C0"/>
+                </a:solidFill>
+              </a:rPr>
+              <a:t>biến</a:t>
+            </a:r>
+            <a:r>
+              <a:rPr lang="en-US" dirty="0">
+                <a:solidFill>
+                  <a:srgbClr val="0070C0"/>
+                </a:solidFill>
+              </a:rPr>
+              <a:t> </a:t>
+            </a:r>
+            <a:r>
+              <a:rPr lang="en-US" dirty="0" err="1">
+                <a:solidFill>
+                  <a:srgbClr val="0070C0"/>
+                </a:solidFill>
+              </a:rPr>
+              <a:t>fn</a:t>
+            </a:r>
+            <a:r>
+              <a:rPr lang="en-US" dirty="0">
+                <a:solidFill>
+                  <a:srgbClr val="0070C0"/>
+                </a:solidFill>
+              </a:rPr>
+              <a:t> .</a:t>
+            </a:r>
+          </a:p>
+          <a:p>
+            <a:endParaRPr lang="en-US" dirty="0" smtClean="0">
+              <a:solidFill>
+                <a:srgbClr val="0070C0"/>
+              </a:solidFill>
+            </a:endParaRPr>
+          </a:p>
+          <a:p>
+            <a:r>
+              <a:rPr lang="en-US" dirty="0" smtClean="0">
+                <a:solidFill>
+                  <a:srgbClr val="0070C0"/>
+                </a:solidFill>
+              </a:rPr>
+              <a:t>//</a:t>
+            </a:r>
+            <a:r>
+              <a:rPr lang="en-US" dirty="0" err="1" smtClean="0">
+                <a:solidFill>
+                  <a:srgbClr val="0070C0"/>
+                </a:solidFill>
+              </a:rPr>
+              <a:t>Khai</a:t>
+            </a:r>
+            <a:r>
+              <a:rPr lang="en-US" dirty="0" smtClean="0">
+                <a:solidFill>
+                  <a:srgbClr val="0070C0"/>
+                </a:solidFill>
+              </a:rPr>
+              <a:t> </a:t>
+            </a:r>
+            <a:r>
+              <a:rPr lang="en-US" dirty="0" err="1" smtClean="0">
+                <a:solidFill>
+                  <a:srgbClr val="0070C0"/>
+                </a:solidFill>
+              </a:rPr>
+              <a:t>báo</a:t>
+            </a:r>
+            <a:r>
+              <a:rPr lang="en-US" dirty="0" smtClean="0">
+                <a:solidFill>
+                  <a:srgbClr val="0070C0"/>
+                </a:solidFill>
+              </a:rPr>
+              <a:t> function foo </a:t>
+            </a:r>
+            <a:r>
+              <a:rPr lang="en-US" dirty="0" err="1" smtClean="0">
+                <a:solidFill>
+                  <a:srgbClr val="0070C0"/>
+                </a:solidFill>
+              </a:rPr>
+              <a:t>và</a:t>
+            </a:r>
+            <a:r>
+              <a:rPr lang="en-US" dirty="0" smtClean="0">
+                <a:solidFill>
+                  <a:srgbClr val="0070C0"/>
+                </a:solidFill>
+              </a:rPr>
+              <a:t> function bar.</a:t>
+            </a:r>
+          </a:p>
+          <a:p>
+            <a:endParaRPr lang="en-US" dirty="0">
+              <a:solidFill>
+                <a:srgbClr val="0070C0"/>
+              </a:solidFill>
+            </a:endParaRPr>
+          </a:p>
+          <a:p>
+            <a:r>
+              <a:rPr lang="en-US" dirty="0">
+                <a:solidFill>
+                  <a:srgbClr val="0070C0"/>
+                </a:solidFill>
+              </a:rPr>
+              <a:t>	</a:t>
+            </a:r>
+            <a:r>
+              <a:rPr lang="en-US" dirty="0" smtClean="0">
+                <a:solidFill>
+                  <a:srgbClr val="0070C0"/>
+                </a:solidFill>
+              </a:rPr>
+              <a:t>   </a:t>
+            </a:r>
+          </a:p>
+          <a:p>
+            <a:endParaRPr lang="en-US" dirty="0">
+              <a:solidFill>
+                <a:srgbClr val="0070C0"/>
+              </a:solidFill>
+            </a:endParaRPr>
+          </a:p>
+          <a:p>
+            <a:endParaRPr lang="en-US" dirty="0" smtClean="0">
+              <a:solidFill>
+                <a:srgbClr val="0070C0"/>
+              </a:solidFill>
+            </a:endParaRPr>
+          </a:p>
+          <a:p>
+            <a:endParaRPr lang="en-US" dirty="0">
+              <a:solidFill>
+                <a:srgbClr val="0070C0"/>
+              </a:solidFill>
+            </a:endParaRPr>
+          </a:p>
+          <a:p>
+            <a:endParaRPr lang="en-US" dirty="0">
+              <a:solidFill>
+                <a:srgbClr val="0070C0"/>
+              </a:solidFill>
+            </a:endParaRPr>
+          </a:p>
+          <a:p>
+            <a:endParaRPr lang="en-US" dirty="0">
+              <a:solidFill>
+                <a:srgbClr val="0070C0"/>
+              </a:solidFill>
+            </a:endParaRPr>
+          </a:p>
+          <a:p>
+            <a:endParaRPr lang="en-US" dirty="0" smtClean="0">
+              <a:solidFill>
+                <a:srgbClr val="0070C0"/>
+              </a:solidFill>
+            </a:endParaRPr>
+          </a:p>
+          <a:p>
+            <a:endParaRPr lang="en-US" dirty="0">
+              <a:solidFill>
+                <a:srgbClr val="0070C0"/>
+              </a:solidFill>
+            </a:endParaRPr>
+          </a:p>
+          <a:p>
+            <a:endParaRPr lang="en-US" dirty="0" smtClean="0">
+              <a:solidFill>
+                <a:srgbClr val="0070C0"/>
+              </a:solidFill>
+            </a:endParaRPr>
+          </a:p>
+          <a:p>
+            <a:endParaRPr lang="en-US" dirty="0">
+              <a:solidFill>
+                <a:srgbClr val="0070C0"/>
+              </a:solidFill>
+            </a:endParaRPr>
+          </a:p>
+          <a:p>
+            <a:endParaRPr lang="en-US" dirty="0">
+              <a:solidFill>
+                <a:srgbClr val="0070C0"/>
+              </a:solidFill>
+            </a:endParaRPr>
+          </a:p>
+          <a:p>
+            <a:r>
+              <a:rPr lang="en-US" dirty="0" smtClean="0">
+                <a:solidFill>
+                  <a:srgbClr val="0070C0"/>
+                </a:solidFill>
+              </a:rPr>
+              <a:t>//</a:t>
+            </a:r>
+            <a:r>
+              <a:rPr lang="en-US" dirty="0" err="1" smtClean="0">
+                <a:solidFill>
+                  <a:srgbClr val="0070C0"/>
+                </a:solidFill>
+              </a:rPr>
+              <a:t>Chạy</a:t>
+            </a:r>
+            <a:r>
+              <a:rPr lang="en-US" dirty="0" smtClean="0">
+                <a:solidFill>
+                  <a:srgbClr val="0070C0"/>
+                </a:solidFill>
+              </a:rPr>
+              <a:t> </a:t>
+            </a:r>
+            <a:r>
+              <a:rPr lang="en-US" dirty="0" err="1" smtClean="0">
+                <a:solidFill>
+                  <a:srgbClr val="0070C0"/>
+                </a:solidFill>
+              </a:rPr>
+              <a:t>hàm</a:t>
+            </a:r>
+            <a:r>
+              <a:rPr lang="en-US" dirty="0" smtClean="0">
+                <a:solidFill>
+                  <a:srgbClr val="0070C0"/>
+                </a:solidFill>
+              </a:rPr>
+              <a:t> foo -&gt; </a:t>
+            </a:r>
+            <a:r>
+              <a:rPr lang="en-US" dirty="0" err="1" smtClean="0">
+                <a:solidFill>
+                  <a:srgbClr val="0070C0"/>
+                </a:solidFill>
+              </a:rPr>
+              <a:t>Khai</a:t>
+            </a:r>
+            <a:r>
+              <a:rPr lang="en-US" dirty="0" smtClean="0">
+                <a:solidFill>
+                  <a:srgbClr val="0070C0"/>
+                </a:solidFill>
+              </a:rPr>
+              <a:t> </a:t>
+            </a:r>
+            <a:r>
+              <a:rPr lang="en-US" dirty="0" err="1" smtClean="0">
+                <a:solidFill>
+                  <a:srgbClr val="0070C0"/>
+                </a:solidFill>
+              </a:rPr>
+              <a:t>báo</a:t>
+            </a:r>
+            <a:r>
+              <a:rPr lang="en-US" dirty="0" smtClean="0">
+                <a:solidFill>
+                  <a:srgbClr val="0070C0"/>
+                </a:solidFill>
+              </a:rPr>
+              <a:t> </a:t>
+            </a:r>
+            <a:r>
+              <a:rPr lang="en-US" dirty="0" err="1" smtClean="0">
+                <a:solidFill>
+                  <a:srgbClr val="0070C0"/>
+                </a:solidFill>
+              </a:rPr>
+              <a:t>biến</a:t>
+            </a:r>
+            <a:r>
+              <a:rPr lang="en-US" dirty="0" smtClean="0">
+                <a:solidFill>
+                  <a:srgbClr val="0070C0"/>
+                </a:solidFill>
+              </a:rPr>
+              <a:t> a </a:t>
+            </a:r>
+            <a:r>
+              <a:rPr lang="en-US" dirty="0" err="1" smtClean="0">
+                <a:solidFill>
+                  <a:srgbClr val="0070C0"/>
+                </a:solidFill>
+              </a:rPr>
+              <a:t>và</a:t>
+            </a:r>
+            <a:r>
+              <a:rPr lang="en-US" dirty="0" smtClean="0">
+                <a:solidFill>
+                  <a:srgbClr val="0070C0"/>
+                </a:solidFill>
+              </a:rPr>
+              <a:t> function </a:t>
+            </a:r>
+            <a:r>
+              <a:rPr lang="en-US" dirty="0" err="1" smtClean="0">
+                <a:solidFill>
+                  <a:srgbClr val="0070C0"/>
+                </a:solidFill>
+              </a:rPr>
+              <a:t>baz</a:t>
+            </a:r>
+            <a:r>
+              <a:rPr lang="en-US" dirty="0" smtClean="0">
+                <a:solidFill>
+                  <a:srgbClr val="0070C0"/>
+                </a:solidFill>
+              </a:rPr>
+              <a:t> -&gt; </a:t>
+            </a:r>
+            <a:r>
+              <a:rPr lang="en-US" dirty="0" err="1" smtClean="0">
+                <a:solidFill>
+                  <a:srgbClr val="0070C0"/>
+                </a:solidFill>
+              </a:rPr>
+              <a:t>biến</a:t>
+            </a:r>
+            <a:r>
+              <a:rPr lang="en-US" dirty="0" smtClean="0">
+                <a:solidFill>
+                  <a:srgbClr val="0070C0"/>
+                </a:solidFill>
+              </a:rPr>
+              <a:t> a </a:t>
+            </a:r>
+            <a:r>
+              <a:rPr lang="en-US" dirty="0" err="1" smtClean="0">
+                <a:solidFill>
+                  <a:srgbClr val="0070C0"/>
+                </a:solidFill>
+              </a:rPr>
+              <a:t>được</a:t>
+            </a:r>
+            <a:r>
+              <a:rPr lang="en-US" dirty="0" smtClean="0">
+                <a:solidFill>
+                  <a:srgbClr val="0070C0"/>
+                </a:solidFill>
+              </a:rPr>
+              <a:t> </a:t>
+            </a:r>
+            <a:r>
+              <a:rPr lang="en-US" dirty="0" err="1" smtClean="0">
+                <a:solidFill>
+                  <a:srgbClr val="0070C0"/>
+                </a:solidFill>
+              </a:rPr>
+              <a:t>gán</a:t>
+            </a:r>
+            <a:r>
+              <a:rPr lang="en-US" dirty="0" smtClean="0">
+                <a:solidFill>
+                  <a:srgbClr val="0070C0"/>
+                </a:solidFill>
+              </a:rPr>
+              <a:t> </a:t>
+            </a:r>
+            <a:r>
+              <a:rPr lang="en-US" dirty="0" err="1" smtClean="0">
+                <a:solidFill>
+                  <a:srgbClr val="0070C0"/>
+                </a:solidFill>
+              </a:rPr>
+              <a:t>bằng</a:t>
+            </a:r>
+            <a:r>
+              <a:rPr lang="en-US" dirty="0" smtClean="0">
+                <a:solidFill>
+                  <a:srgbClr val="0070C0"/>
+                </a:solidFill>
+              </a:rPr>
+              <a:t> 2 -&gt;</a:t>
+            </a:r>
+            <a:r>
+              <a:rPr lang="en-US" dirty="0" err="1" smtClean="0">
+                <a:solidFill>
+                  <a:srgbClr val="0070C0"/>
+                </a:solidFill>
+              </a:rPr>
+              <a:t>fn</a:t>
+            </a:r>
+            <a:r>
+              <a:rPr lang="en-US" dirty="0" smtClean="0">
+                <a:solidFill>
+                  <a:srgbClr val="0070C0"/>
+                </a:solidFill>
+              </a:rPr>
+              <a:t> </a:t>
+            </a:r>
+            <a:r>
+              <a:rPr lang="en-US" dirty="0" err="1" smtClean="0">
+                <a:solidFill>
+                  <a:srgbClr val="0070C0"/>
+                </a:solidFill>
+              </a:rPr>
+              <a:t>được</a:t>
+            </a:r>
+            <a:r>
+              <a:rPr lang="en-US" dirty="0" smtClean="0">
+                <a:solidFill>
+                  <a:srgbClr val="0070C0"/>
+                </a:solidFill>
+              </a:rPr>
+              <a:t> </a:t>
+            </a:r>
+            <a:r>
+              <a:rPr lang="en-US" dirty="0" err="1" smtClean="0">
+                <a:solidFill>
+                  <a:srgbClr val="0070C0"/>
+                </a:solidFill>
+              </a:rPr>
+              <a:t>gán</a:t>
+            </a:r>
+            <a:r>
+              <a:rPr lang="en-US" dirty="0" smtClean="0">
+                <a:solidFill>
+                  <a:srgbClr val="0070C0"/>
+                </a:solidFill>
+              </a:rPr>
+              <a:t> </a:t>
+            </a:r>
+            <a:r>
+              <a:rPr lang="en-US" dirty="0" err="1" smtClean="0">
+                <a:solidFill>
+                  <a:srgbClr val="0070C0"/>
+                </a:solidFill>
+              </a:rPr>
+              <a:t>thành</a:t>
+            </a:r>
+            <a:r>
+              <a:rPr lang="en-US" dirty="0" smtClean="0">
+                <a:solidFill>
+                  <a:srgbClr val="0070C0"/>
+                </a:solidFill>
+              </a:rPr>
+              <a:t> 1 Object function.</a:t>
+            </a:r>
+            <a:endParaRPr lang="en-US" dirty="0">
+              <a:solidFill>
+                <a:srgbClr val="0070C0"/>
+              </a:solidFill>
+            </a:endParaRPr>
+          </a:p>
+          <a:p>
+            <a:r>
+              <a:rPr lang="en-US" dirty="0" smtClean="0">
+                <a:solidFill>
+                  <a:srgbClr val="0070C0"/>
+                </a:solidFill>
+              </a:rPr>
+              <a:t>//</a:t>
+            </a:r>
+            <a:r>
+              <a:rPr lang="en-US" dirty="0" err="1" smtClean="0">
+                <a:solidFill>
+                  <a:srgbClr val="0070C0"/>
+                </a:solidFill>
+              </a:rPr>
+              <a:t>Chạy</a:t>
+            </a:r>
+            <a:r>
+              <a:rPr lang="en-US" dirty="0" smtClean="0">
+                <a:solidFill>
+                  <a:srgbClr val="0070C0"/>
+                </a:solidFill>
+              </a:rPr>
+              <a:t> </a:t>
+            </a:r>
+            <a:r>
+              <a:rPr lang="en-US" dirty="0" err="1" smtClean="0">
+                <a:solidFill>
+                  <a:srgbClr val="0070C0"/>
+                </a:solidFill>
+              </a:rPr>
+              <a:t>hàm</a:t>
+            </a:r>
+            <a:r>
+              <a:rPr lang="en-US" dirty="0" smtClean="0">
+                <a:solidFill>
+                  <a:srgbClr val="0070C0"/>
+                </a:solidFill>
+              </a:rPr>
+              <a:t> bar -&gt; </a:t>
+            </a:r>
+            <a:r>
+              <a:rPr lang="en-US" dirty="0" err="1" smtClean="0">
+                <a:solidFill>
+                  <a:srgbClr val="0070C0"/>
+                </a:solidFill>
+              </a:rPr>
+              <a:t>chạy</a:t>
+            </a:r>
+            <a:r>
+              <a:rPr lang="en-US" dirty="0" smtClean="0">
+                <a:solidFill>
+                  <a:srgbClr val="0070C0"/>
+                </a:solidFill>
+              </a:rPr>
+              <a:t> </a:t>
+            </a:r>
+            <a:r>
+              <a:rPr lang="en-US" dirty="0" err="1" smtClean="0">
+                <a:solidFill>
+                  <a:srgbClr val="0070C0"/>
+                </a:solidFill>
+              </a:rPr>
+              <a:t>hàm</a:t>
+            </a:r>
+            <a:r>
+              <a:rPr lang="en-US" dirty="0" smtClean="0">
+                <a:solidFill>
+                  <a:srgbClr val="0070C0"/>
+                </a:solidFill>
+              </a:rPr>
+              <a:t> </a:t>
+            </a:r>
+            <a:r>
+              <a:rPr lang="en-US" dirty="0" err="1" smtClean="0">
+                <a:solidFill>
+                  <a:srgbClr val="0070C0"/>
+                </a:solidFill>
+              </a:rPr>
+              <a:t>fn</a:t>
+            </a:r>
+            <a:r>
+              <a:rPr lang="en-US" dirty="0" smtClean="0">
+                <a:solidFill>
+                  <a:srgbClr val="0070C0"/>
+                </a:solidFill>
+              </a:rPr>
+              <a:t> -&gt; </a:t>
+            </a:r>
+            <a:r>
+              <a:rPr lang="en-US" dirty="0" err="1" smtClean="0">
+                <a:solidFill>
+                  <a:srgbClr val="0070C0"/>
+                </a:solidFill>
+              </a:rPr>
+              <a:t>chạy</a:t>
+            </a:r>
+            <a:r>
+              <a:rPr lang="en-US" dirty="0" smtClean="0">
+                <a:solidFill>
+                  <a:srgbClr val="0070C0"/>
+                </a:solidFill>
+              </a:rPr>
+              <a:t> </a:t>
+            </a:r>
+            <a:r>
+              <a:rPr lang="en-US" dirty="0" err="1" smtClean="0">
+                <a:solidFill>
+                  <a:srgbClr val="0070C0"/>
+                </a:solidFill>
+              </a:rPr>
+              <a:t>hàm</a:t>
+            </a:r>
+            <a:r>
+              <a:rPr lang="en-US" dirty="0" smtClean="0">
+                <a:solidFill>
+                  <a:srgbClr val="0070C0"/>
+                </a:solidFill>
+              </a:rPr>
+              <a:t> </a:t>
+            </a:r>
+            <a:r>
+              <a:rPr lang="en-US" dirty="0" err="1" smtClean="0">
+                <a:solidFill>
+                  <a:srgbClr val="0070C0"/>
+                </a:solidFill>
+              </a:rPr>
+              <a:t>baz</a:t>
+            </a:r>
+            <a:r>
+              <a:rPr lang="en-US" dirty="0" smtClean="0">
+                <a:solidFill>
+                  <a:srgbClr val="0070C0"/>
+                </a:solidFill>
+              </a:rPr>
+              <a:t> -&gt; </a:t>
+            </a:r>
+            <a:r>
+              <a:rPr lang="en-US" dirty="0" err="1" smtClean="0">
+                <a:solidFill>
+                  <a:srgbClr val="0070C0"/>
+                </a:solidFill>
+              </a:rPr>
+              <a:t>câu</a:t>
+            </a:r>
+            <a:r>
+              <a:rPr lang="en-US" dirty="0" smtClean="0">
+                <a:solidFill>
+                  <a:srgbClr val="0070C0"/>
+                </a:solidFill>
+              </a:rPr>
+              <a:t> </a:t>
+            </a:r>
+            <a:r>
+              <a:rPr lang="en-US" dirty="0" err="1" smtClean="0">
+                <a:solidFill>
+                  <a:srgbClr val="0070C0"/>
+                </a:solidFill>
+              </a:rPr>
+              <a:t>lệnh</a:t>
+            </a:r>
+            <a:r>
+              <a:rPr lang="en-US" dirty="0" smtClean="0">
+                <a:solidFill>
+                  <a:srgbClr val="0070C0"/>
+                </a:solidFill>
+              </a:rPr>
+              <a:t> console.log(a) </a:t>
+            </a:r>
+            <a:r>
+              <a:rPr lang="en-US" dirty="0" err="1" smtClean="0">
+                <a:solidFill>
+                  <a:srgbClr val="0070C0"/>
+                </a:solidFill>
+              </a:rPr>
+              <a:t>được</a:t>
+            </a:r>
+            <a:r>
+              <a:rPr lang="en-US" dirty="0" smtClean="0">
+                <a:solidFill>
+                  <a:srgbClr val="0070C0"/>
+                </a:solidFill>
+              </a:rPr>
+              <a:t> </a:t>
+            </a:r>
+            <a:r>
+              <a:rPr lang="en-US" dirty="0" err="1" smtClean="0">
+                <a:solidFill>
+                  <a:srgbClr val="0070C0"/>
+                </a:solidFill>
+              </a:rPr>
+              <a:t>thực</a:t>
+            </a:r>
+            <a:r>
+              <a:rPr lang="en-US" dirty="0" smtClean="0">
+                <a:solidFill>
+                  <a:srgbClr val="0070C0"/>
+                </a:solidFill>
+              </a:rPr>
+              <a:t> </a:t>
+            </a:r>
+            <a:r>
+              <a:rPr lang="en-US" dirty="0" err="1" smtClean="0">
+                <a:solidFill>
+                  <a:srgbClr val="0070C0"/>
+                </a:solidFill>
+              </a:rPr>
+              <a:t>thi</a:t>
+            </a:r>
+            <a:r>
+              <a:rPr lang="en-US" dirty="0" smtClean="0">
+                <a:solidFill>
+                  <a:srgbClr val="0070C0"/>
+                </a:solidFill>
+              </a:rPr>
+              <a:t> -&gt; output : 2</a:t>
+            </a:r>
+          </a:p>
+        </p:txBody>
+      </p:sp>
+    </p:spTree>
+    <p:extLst>
+      <p:ext uri="{BB962C8B-B14F-4D97-AF65-F5344CB8AC3E}">
+        <p14:creationId xmlns:p14="http://schemas.microsoft.com/office/powerpoint/2010/main" val="4110840504"/>
+      </p:ext>
+    </p:extLst>
+  </p:cSld>
+  <p:clrMapOvr>
+    <a:masterClrMapping/>
+  </p:clrMapOvr>
+</p:sld>
+</file>
+
+<file path=ppt/slides/slide9.xml><?xml version="1.0" encoding="utf-8"?>
+<p:sld xmlns:a="http://schemas.openxmlformats.org/drawingml/2006/main" xmlns:r="http://schemas.openxmlformats.org/officeDocument/2006/relationships" xmlns:p="http://schemas.openxmlformats.org/presentationml/2006/main">
+  <p:cSld>
+    <p:spTree>
+      <p:nvGrpSpPr>
+        <p:cNvPr id="1" name=""/>
+        <p:cNvGrpSpPr/>
+        <p:nvPr/>
+      </p:nvGrpSpPr>
+      <p:grpSpPr>
+        <a:xfrm>
+          <a:off x="0" y="0"/>
+          <a:ext cx="0" cy="0"/>
+          <a:chOff x="0" y="0"/>
+          <a:chExt cx="0" cy="0"/>
+        </a:xfrm>
+      </p:grpSpPr>
+      <p:sp>
+        <p:nvSpPr>
+          <p:cNvPr id="2" name="Title 1"/>
+          <p:cNvSpPr>
+            <a:spLocks noGrp="1"/>
+          </p:cNvSpPr>
+          <p:nvPr>
+            <p:ph type="title"/>
+          </p:nvPr>
+        </p:nvSpPr>
+        <p:spPr/>
+        <p:txBody>
+          <a:bodyPr/>
+          <a:lstStyle/>
+          <a:p>
+            <a:r>
+              <a:rPr lang="en-US" dirty="0" smtClean="0"/>
+              <a:t>Loops and Closure</a:t>
+            </a:r>
+            <a:endParaRPr lang="en-US" dirty="0"/>
+          </a:p>
+        </p:txBody>
+      </p:sp>
+      <p:sp>
+        <p:nvSpPr>
+          <p:cNvPr id="4" name="Slide Number Placeholder 3"/>
+          <p:cNvSpPr>
+            <a:spLocks noGrp="1"/>
+          </p:cNvSpPr>
+          <p:nvPr>
+            <p:ph type="sldNum" sz="quarter" idx="12"/>
+          </p:nvPr>
+        </p:nvSpPr>
+        <p:spPr/>
+        <p:txBody>
+          <a:bodyPr/>
+          <a:lstStyle/>
+          <a:p>
+            <a:fld id="{D57F1E4F-1CFF-5643-939E-217C01CDF565}" type="slidenum">
+              <a:rPr lang="en-US" smtClean="0"/>
+              <a:pPr/>
+              <a:t>9</a:t>
+            </a:fld>
+            <a:endParaRPr lang="en-US" dirty="0"/>
+          </a:p>
+        </p:txBody>
+      </p:sp>
+      <p:sp>
+        <p:nvSpPr>
+          <p:cNvPr id="5" name="TextBox 4"/>
+          <p:cNvSpPr txBox="1"/>
+          <p:nvPr/>
+        </p:nvSpPr>
+        <p:spPr>
+          <a:xfrm>
+            <a:off x="2682815" y="1656272"/>
+            <a:ext cx="8643668" cy="1754326"/>
+          </a:xfrm>
+          <a:prstGeom prst="rect">
+            <a:avLst/>
+          </a:prstGeom>
+          <a:noFill/>
+        </p:spPr>
+        <p:txBody>
+          <a:bodyPr wrap="square" rtlCol="0">
+            <a:spAutoFit/>
+          </a:bodyPr>
+          <a:lstStyle/>
+          <a:p>
+            <a:r>
+              <a:rPr lang="en-US" dirty="0">
+                <a:solidFill>
+                  <a:srgbClr val="0070C0"/>
+                </a:solidFill>
+              </a:rPr>
+              <a:t>for (</a:t>
+            </a:r>
+            <a:r>
+              <a:rPr lang="en-US" dirty="0" err="1">
+                <a:solidFill>
+                  <a:srgbClr val="0070C0"/>
+                </a:solidFill>
+              </a:rPr>
+              <a:t>var</a:t>
+            </a:r>
+            <a:r>
+              <a:rPr lang="en-US" dirty="0">
+                <a:solidFill>
+                  <a:srgbClr val="0070C0"/>
+                </a:solidFill>
+              </a:rPr>
+              <a:t> </a:t>
+            </a:r>
+            <a:r>
+              <a:rPr lang="en-US" dirty="0" err="1">
+                <a:solidFill>
+                  <a:srgbClr val="0070C0"/>
+                </a:solidFill>
+              </a:rPr>
+              <a:t>i</a:t>
+            </a:r>
+            <a:r>
+              <a:rPr lang="en-US" dirty="0">
+                <a:solidFill>
+                  <a:srgbClr val="0070C0"/>
+                </a:solidFill>
+              </a:rPr>
+              <a:t>=1; </a:t>
+            </a:r>
+            <a:r>
+              <a:rPr lang="en-US" dirty="0" err="1">
+                <a:solidFill>
+                  <a:srgbClr val="0070C0"/>
+                </a:solidFill>
+              </a:rPr>
+              <a:t>i</a:t>
+            </a:r>
+            <a:r>
+              <a:rPr lang="en-US" dirty="0">
+                <a:solidFill>
+                  <a:srgbClr val="0070C0"/>
+                </a:solidFill>
+              </a:rPr>
+              <a:t>&lt;=5; </a:t>
+            </a:r>
+            <a:r>
+              <a:rPr lang="en-US" dirty="0" err="1">
+                <a:solidFill>
+                  <a:srgbClr val="0070C0"/>
+                </a:solidFill>
+              </a:rPr>
+              <a:t>i</a:t>
+            </a:r>
+            <a:r>
+              <a:rPr lang="en-US" dirty="0">
+                <a:solidFill>
+                  <a:srgbClr val="0070C0"/>
+                </a:solidFill>
+              </a:rPr>
+              <a:t>++) {</a:t>
+            </a:r>
+          </a:p>
+          <a:p>
+            <a:r>
+              <a:rPr lang="en-US" dirty="0">
+                <a:solidFill>
+                  <a:srgbClr val="0070C0"/>
+                </a:solidFill>
+              </a:rPr>
+              <a:t>	</a:t>
+            </a:r>
+            <a:r>
+              <a:rPr lang="en-US" dirty="0" err="1">
+                <a:solidFill>
+                  <a:srgbClr val="0070C0"/>
+                </a:solidFill>
+              </a:rPr>
+              <a:t>setTimeout</a:t>
+            </a:r>
+            <a:r>
+              <a:rPr lang="en-US" dirty="0">
+                <a:solidFill>
+                  <a:srgbClr val="0070C0"/>
+                </a:solidFill>
+              </a:rPr>
+              <a:t>( function timer(){</a:t>
+            </a:r>
+          </a:p>
+          <a:p>
+            <a:r>
+              <a:rPr lang="en-US" dirty="0">
+                <a:solidFill>
+                  <a:srgbClr val="0070C0"/>
+                </a:solidFill>
+              </a:rPr>
+              <a:t>		console.log( </a:t>
+            </a:r>
+            <a:r>
+              <a:rPr lang="en-US" dirty="0" err="1">
+                <a:solidFill>
+                  <a:srgbClr val="0070C0"/>
+                </a:solidFill>
+              </a:rPr>
+              <a:t>i</a:t>
+            </a:r>
+            <a:r>
+              <a:rPr lang="en-US" dirty="0">
+                <a:solidFill>
+                  <a:srgbClr val="0070C0"/>
+                </a:solidFill>
+              </a:rPr>
+              <a:t> );</a:t>
+            </a:r>
+          </a:p>
+          <a:p>
+            <a:r>
+              <a:rPr lang="en-US" dirty="0">
+                <a:solidFill>
+                  <a:srgbClr val="0070C0"/>
+                </a:solidFill>
+              </a:rPr>
+              <a:t>	}, </a:t>
+            </a:r>
+            <a:r>
+              <a:rPr lang="en-US" dirty="0" err="1">
+                <a:solidFill>
+                  <a:srgbClr val="0070C0"/>
+                </a:solidFill>
+              </a:rPr>
+              <a:t>i</a:t>
+            </a:r>
+            <a:r>
+              <a:rPr lang="en-US" dirty="0">
+                <a:solidFill>
+                  <a:srgbClr val="0070C0"/>
+                </a:solidFill>
+              </a:rPr>
+              <a:t>*1000 );</a:t>
+            </a:r>
+          </a:p>
+          <a:p>
+            <a:r>
+              <a:rPr lang="en-US" dirty="0" smtClean="0">
+                <a:solidFill>
+                  <a:srgbClr val="0070C0"/>
+                </a:solidFill>
+              </a:rPr>
+              <a:t>}</a:t>
+            </a:r>
+          </a:p>
+          <a:p>
+            <a:r>
+              <a:rPr lang="en-US" dirty="0" smtClean="0">
+                <a:solidFill>
+                  <a:srgbClr val="0070C0"/>
+                </a:solidFill>
+              </a:rPr>
+              <a:t>//output </a:t>
+            </a:r>
+            <a:r>
+              <a:rPr lang="en-US" dirty="0" err="1" smtClean="0">
+                <a:solidFill>
+                  <a:srgbClr val="0070C0"/>
+                </a:solidFill>
+              </a:rPr>
+              <a:t>là</a:t>
+            </a:r>
+            <a:r>
+              <a:rPr lang="en-US" dirty="0" smtClean="0">
+                <a:solidFill>
+                  <a:srgbClr val="0070C0"/>
+                </a:solidFill>
+              </a:rPr>
+              <a:t> 5 </a:t>
+            </a:r>
+            <a:r>
+              <a:rPr lang="en-US" dirty="0" err="1" smtClean="0">
+                <a:solidFill>
+                  <a:srgbClr val="0070C0"/>
+                </a:solidFill>
+              </a:rPr>
+              <a:t>lần</a:t>
+            </a:r>
+            <a:r>
+              <a:rPr lang="en-US" dirty="0" smtClean="0">
+                <a:solidFill>
+                  <a:srgbClr val="0070C0"/>
+                </a:solidFill>
+              </a:rPr>
+              <a:t> 6.</a:t>
+            </a:r>
+            <a:endParaRPr lang="en-US" dirty="0">
+              <a:solidFill>
+                <a:srgbClr val="0070C0"/>
+              </a:solidFill>
+            </a:endParaRPr>
+          </a:p>
+        </p:txBody>
+      </p:sp>
+      <p:sp>
+        <p:nvSpPr>
+          <p:cNvPr id="8" name="TextBox 7"/>
+          <p:cNvSpPr txBox="1"/>
+          <p:nvPr/>
+        </p:nvSpPr>
+        <p:spPr>
+          <a:xfrm>
+            <a:off x="2682815" y="4011283"/>
+            <a:ext cx="8643668" cy="2308324"/>
+          </a:xfrm>
+          <a:prstGeom prst="rect">
+            <a:avLst/>
+          </a:prstGeom>
+          <a:noFill/>
+        </p:spPr>
+        <p:txBody>
+          <a:bodyPr wrap="square" rtlCol="0">
+            <a:spAutoFit/>
+          </a:bodyPr>
+          <a:lstStyle/>
+          <a:p>
+            <a:r>
+              <a:rPr lang="en-US" dirty="0">
+                <a:solidFill>
+                  <a:srgbClr val="0070C0"/>
+                </a:solidFill>
+              </a:rPr>
+              <a:t>for (</a:t>
+            </a:r>
+            <a:r>
+              <a:rPr lang="en-US" dirty="0" err="1">
+                <a:solidFill>
+                  <a:srgbClr val="0070C0"/>
+                </a:solidFill>
+              </a:rPr>
+              <a:t>var</a:t>
+            </a:r>
+            <a:r>
+              <a:rPr lang="en-US" dirty="0">
+                <a:solidFill>
+                  <a:srgbClr val="0070C0"/>
+                </a:solidFill>
+              </a:rPr>
+              <a:t> </a:t>
+            </a:r>
+            <a:r>
+              <a:rPr lang="en-US" dirty="0" err="1">
+                <a:solidFill>
+                  <a:srgbClr val="0070C0"/>
+                </a:solidFill>
+              </a:rPr>
+              <a:t>i</a:t>
+            </a:r>
+            <a:r>
+              <a:rPr lang="en-US" dirty="0">
+                <a:solidFill>
+                  <a:srgbClr val="0070C0"/>
+                </a:solidFill>
+              </a:rPr>
+              <a:t>=1; </a:t>
+            </a:r>
+            <a:r>
+              <a:rPr lang="en-US" dirty="0" err="1">
+                <a:solidFill>
+                  <a:srgbClr val="0070C0"/>
+                </a:solidFill>
+              </a:rPr>
+              <a:t>i</a:t>
+            </a:r>
+            <a:r>
+              <a:rPr lang="en-US" dirty="0">
+                <a:solidFill>
+                  <a:srgbClr val="0070C0"/>
+                </a:solidFill>
+              </a:rPr>
+              <a:t>&lt;=5; </a:t>
+            </a:r>
+            <a:r>
+              <a:rPr lang="en-US" dirty="0" err="1">
+                <a:solidFill>
+                  <a:srgbClr val="0070C0"/>
+                </a:solidFill>
+              </a:rPr>
+              <a:t>i</a:t>
+            </a:r>
+            <a:r>
+              <a:rPr lang="en-US" dirty="0">
+                <a:solidFill>
+                  <a:srgbClr val="0070C0"/>
+                </a:solidFill>
+              </a:rPr>
+              <a:t>++) {</a:t>
+            </a:r>
+          </a:p>
+          <a:p>
+            <a:r>
+              <a:rPr lang="en-US" dirty="0">
+                <a:solidFill>
+                  <a:srgbClr val="0070C0"/>
+                </a:solidFill>
+              </a:rPr>
+              <a:t>	(function(){</a:t>
+            </a:r>
+          </a:p>
+          <a:p>
+            <a:r>
+              <a:rPr lang="en-US" dirty="0">
+                <a:solidFill>
+                  <a:srgbClr val="0070C0"/>
+                </a:solidFill>
+              </a:rPr>
+              <a:t>		</a:t>
+            </a:r>
+            <a:r>
+              <a:rPr lang="en-US" dirty="0" err="1">
+                <a:solidFill>
+                  <a:srgbClr val="0070C0"/>
+                </a:solidFill>
+              </a:rPr>
+              <a:t>var</a:t>
+            </a:r>
+            <a:r>
+              <a:rPr lang="en-US" dirty="0">
+                <a:solidFill>
+                  <a:srgbClr val="0070C0"/>
+                </a:solidFill>
+              </a:rPr>
+              <a:t> j = </a:t>
+            </a:r>
+            <a:r>
+              <a:rPr lang="en-US" dirty="0" err="1">
+                <a:solidFill>
+                  <a:srgbClr val="0070C0"/>
+                </a:solidFill>
+              </a:rPr>
+              <a:t>i</a:t>
+            </a:r>
+            <a:r>
+              <a:rPr lang="en-US" dirty="0">
+                <a:solidFill>
+                  <a:srgbClr val="0070C0"/>
+                </a:solidFill>
+              </a:rPr>
+              <a:t>;</a:t>
+            </a:r>
+          </a:p>
+          <a:p>
+            <a:r>
+              <a:rPr lang="en-US" dirty="0">
+                <a:solidFill>
+                  <a:srgbClr val="0070C0"/>
+                </a:solidFill>
+              </a:rPr>
+              <a:t>		</a:t>
+            </a:r>
+            <a:r>
+              <a:rPr lang="en-US" dirty="0" err="1">
+                <a:solidFill>
+                  <a:srgbClr val="0070C0"/>
+                </a:solidFill>
+              </a:rPr>
+              <a:t>setTimeout</a:t>
+            </a:r>
+            <a:r>
+              <a:rPr lang="en-US" dirty="0">
+                <a:solidFill>
+                  <a:srgbClr val="0070C0"/>
+                </a:solidFill>
+              </a:rPr>
+              <a:t>( function timer(){</a:t>
+            </a:r>
+          </a:p>
+          <a:p>
+            <a:r>
+              <a:rPr lang="en-US" dirty="0">
+                <a:solidFill>
+                  <a:srgbClr val="0070C0"/>
+                </a:solidFill>
+              </a:rPr>
+              <a:t>			console.log( j );</a:t>
+            </a:r>
+          </a:p>
+          <a:p>
+            <a:r>
+              <a:rPr lang="en-US" dirty="0">
+                <a:solidFill>
+                  <a:srgbClr val="0070C0"/>
+                </a:solidFill>
+              </a:rPr>
+              <a:t>		}, j*1000 );</a:t>
+            </a:r>
+          </a:p>
+          <a:p>
+            <a:r>
+              <a:rPr lang="en-US" dirty="0">
+                <a:solidFill>
+                  <a:srgbClr val="0070C0"/>
+                </a:solidFill>
+              </a:rPr>
+              <a:t>	})();</a:t>
+            </a:r>
+          </a:p>
+          <a:p>
+            <a:r>
+              <a:rPr lang="en-US" dirty="0">
+                <a:solidFill>
+                  <a:srgbClr val="0070C0"/>
+                </a:solidFill>
+              </a:rPr>
+              <a:t>}</a:t>
+            </a:r>
+          </a:p>
+        </p:txBody>
+      </p:sp>
+    </p:spTree>
+    <p:extLst>
+      <p:ext uri="{BB962C8B-B14F-4D97-AF65-F5344CB8AC3E}">
+        <p14:creationId xmlns:p14="http://schemas.microsoft.com/office/powerpoint/2010/main" val="3472605928"/>
       </p:ext>
     </p:extLst>
   </p:cSld>
